--- a/aliq.pptx
+++ b/aliq.pptx
@@ -5,12 +5,13 @@
     <p:sldMasterId id="2147483648" r:id="rId1"/>
   </p:sldMasterIdLst>
   <p:notesMasterIdLst>
-    <p:notesMasterId r:id="rId5"/>
+    <p:notesMasterId r:id="rId6"/>
   </p:notesMasterIdLst>
   <p:sldIdLst>
     <p:sldId id="256" r:id="rId2"/>
     <p:sldId id="258" r:id="rId3"/>
     <p:sldId id="257" r:id="rId4"/>
+    <p:sldId id="259" r:id="rId5"/>
   </p:sldIdLst>
   <p:sldSz cx="12192000" cy="6858000"/>
   <p:notesSz cx="6858000" cy="9144000"/>
@@ -109,7 +110,16 @@
       </a:defRPr>
     </a:lvl9pPr>
   </p:defaultTextStyle>
+  <p:extLst>
+    <p:ext uri="{EFAFB233-063F-42B5-8137-9DF3F51BA10A}">
+      <p15:sldGuideLst xmlns:p15="http://schemas.microsoft.com/office/powerpoint/2012/main"/>
+    </p:ext>
+  </p:extLst>
 </p:presentation>
+</file>
+
+<file path=ppt/revisionInfo.xml><?xml version="1.0" encoding="utf-8"?>
+<p1510:revInfo xmlns:a="http://schemas.openxmlformats.org/drawingml/2006/main" xmlns:r="http://schemas.openxmlformats.org/officeDocument/2006/relationships" xmlns:p1510="http://schemas.microsoft.com/office/powerpoint/2015/10/main"/>
 </file>
 
 <file path=ppt/notesMasters/notesMaster1.xml><?xml version="1.0" encoding="utf-8"?>
@@ -704,6 +714,90 @@
     <p:extLst>
       <p:ext uri="{BB962C8B-B14F-4D97-AF65-F5344CB8AC3E}">
         <p14:creationId xmlns:p14="http://schemas.microsoft.com/office/powerpoint/2010/main" val="2904910233"/>
+      </p:ext>
+    </p:extLst>
+  </p:cSld>
+  <p:clrMapOvr>
+    <a:masterClrMapping/>
+  </p:clrMapOvr>
+</p:notes>
+</file>
+
+<file path=ppt/notesSlides/notesSlide4.xml><?xml version="1.0" encoding="utf-8"?>
+<p:notes xmlns:a="http://schemas.openxmlformats.org/drawingml/2006/main" xmlns:r="http://schemas.openxmlformats.org/officeDocument/2006/relationships" xmlns:p="http://schemas.openxmlformats.org/presentationml/2006/main">
+  <p:cSld>
+    <p:spTree>
+      <p:nvGrpSpPr>
+        <p:cNvPr id="1" name=""/>
+        <p:cNvGrpSpPr/>
+        <p:nvPr/>
+      </p:nvGrpSpPr>
+      <p:grpSpPr>
+        <a:xfrm>
+          <a:off x="0" y="0"/>
+          <a:ext cx="0" cy="0"/>
+          <a:chOff x="0" y="0"/>
+          <a:chExt cx="0" cy="0"/>
+        </a:xfrm>
+      </p:grpSpPr>
+      <p:sp>
+        <p:nvSpPr>
+          <p:cNvPr id="2" name="Slide Image Placeholder 1"/>
+          <p:cNvSpPr>
+            <a:spLocks noGrp="1" noRot="1" noChangeAspect="1"/>
+          </p:cNvSpPr>
+          <p:nvPr>
+            <p:ph type="sldImg"/>
+          </p:nvPr>
+        </p:nvSpPr>
+        <p:spPr/>
+      </p:sp>
+      <p:sp>
+        <p:nvSpPr>
+          <p:cNvPr id="3" name="Notes Placeholder 2"/>
+          <p:cNvSpPr>
+            <a:spLocks noGrp="1"/>
+          </p:cNvSpPr>
+          <p:nvPr>
+            <p:ph type="body" idx="1"/>
+          </p:nvPr>
+        </p:nvSpPr>
+        <p:spPr/>
+        <p:txBody>
+          <a:bodyPr/>
+          <a:lstStyle/>
+          <a:p>
+            <a:endParaRPr lang="en-US"/>
+          </a:p>
+        </p:txBody>
+      </p:sp>
+      <p:sp>
+        <p:nvSpPr>
+          <p:cNvPr id="4" name="Slide Number Placeholder 3"/>
+          <p:cNvSpPr>
+            <a:spLocks noGrp="1"/>
+          </p:cNvSpPr>
+          <p:nvPr>
+            <p:ph type="sldNum" sz="quarter" idx="10"/>
+          </p:nvPr>
+        </p:nvSpPr>
+        <p:spPr/>
+        <p:txBody>
+          <a:bodyPr/>
+          <a:lstStyle/>
+          <a:p>
+            <a:fld id="{C4BD8586-1701-4A50-9F22-071D4490F734}" type="slidenum">
+              <a:rPr lang="en-US" smtClean="0"/>
+              <a:t>4</a:t>
+            </a:fld>
+            <a:endParaRPr lang="en-US"/>
+          </a:p>
+        </p:txBody>
+      </p:sp>
+    </p:spTree>
+    <p:extLst>
+      <p:ext uri="{BB962C8B-B14F-4D97-AF65-F5344CB8AC3E}">
+        <p14:creationId xmlns:p14="http://schemas.microsoft.com/office/powerpoint/2010/main" val="1715066026"/>
       </p:ext>
     </p:extLst>
   </p:cSld>
@@ -4074,56 +4168,10 @@
           <a:bodyPr/>
           <a:lstStyle/>
           <a:p>
+            <a:pPr marL="0" indent="0">
+              <a:buNone/>
+            </a:pPr>
             <a:endParaRPr lang="en-US" dirty="0"/>
-          </a:p>
-        </p:txBody>
-      </p:sp>
-      <p:sp>
-        <p:nvSpPr>
-          <p:cNvPr id="4" name="Rectangle 3">
-            <a:extLst>
-              <a:ext uri="{FF2B5EF4-FFF2-40B4-BE49-F238E27FC236}">
-                <a16:creationId xmlns:a16="http://schemas.microsoft.com/office/drawing/2014/main" id="{4037C822-35D3-446A-AB22-786C4DAFD700}"/>
-              </a:ext>
-            </a:extLst>
-          </p:cNvPr>
-          <p:cNvSpPr/>
-          <p:nvPr/>
-        </p:nvSpPr>
-        <p:spPr>
-          <a:xfrm>
-            <a:off x="5432041" y="2125834"/>
-            <a:ext cx="1327918" cy="914400"/>
-          </a:xfrm>
-          <a:prstGeom prst="rect">
-            <a:avLst/>
-          </a:prstGeom>
-        </p:spPr>
-        <p:style>
-          <a:lnRef idx="2">
-            <a:schemeClr val="accent1">
-              <a:shade val="50000"/>
-            </a:schemeClr>
-          </a:lnRef>
-          <a:fillRef idx="1">
-            <a:schemeClr val="accent1"/>
-          </a:fillRef>
-          <a:effectRef idx="0">
-            <a:schemeClr val="accent1"/>
-          </a:effectRef>
-          <a:fontRef idx="minor">
-            <a:schemeClr val="lt1"/>
-          </a:fontRef>
-        </p:style>
-        <p:txBody>
-          <a:bodyPr rtlCol="0" anchor="ctr"/>
-          <a:lstStyle/>
-          <a:p>
-            <a:pPr algn="ctr"/>
-            <a:r>
-              <a:rPr lang="en-US" dirty="0"/>
-              <a:t>Logic.dll</a:t>
-            </a:r>
           </a:p>
         </p:txBody>
       </p:sp>
@@ -4277,7 +4325,7 @@
             <a:pPr algn="ctr"/>
             <a:r>
               <a:rPr lang="en-US" dirty="0"/>
-              <a:t>Even-based Systems</a:t>
+              <a:t>Event-based Systems</a:t>
             </a:r>
           </a:p>
         </p:txBody>
@@ -4394,8 +4442,8 @@
         </p:nvSpPr>
         <p:spPr>
           <a:xfrm>
-            <a:off x="4391447" y="4388538"/>
-            <a:ext cx="4496288" cy="1613304"/>
+            <a:off x="4391446" y="4388538"/>
+            <a:ext cx="5976919" cy="1613304"/>
           </a:xfrm>
           <a:prstGeom prst="rect">
             <a:avLst/>
@@ -4448,7 +4496,7 @@
         </p:nvSpPr>
         <p:spPr>
           <a:xfrm>
-            <a:off x="9298095" y="4388538"/>
+            <a:off x="9575562" y="3299017"/>
             <a:ext cx="1275501" cy="914400"/>
           </a:xfrm>
           <a:prstGeom prst="rect">
@@ -4494,7 +4542,6 @@
           </p:cNvPr>
           <p:cNvCxnSpPr>
             <a:cxnSpLocks/>
-            <a:stCxn id="4" idx="2"/>
             <a:endCxn id="5" idx="0"/>
           </p:cNvCxnSpPr>
           <p:nvPr/>
@@ -4537,7 +4584,6 @@
           </p:cNvPr>
           <p:cNvCxnSpPr>
             <a:cxnSpLocks/>
-            <a:stCxn id="4" idx="2"/>
             <a:endCxn id="7" idx="0"/>
           </p:cNvCxnSpPr>
           <p:nvPr/>
@@ -4580,7 +4626,6 @@
           </p:cNvPr>
           <p:cNvCxnSpPr>
             <a:cxnSpLocks/>
-            <a:stCxn id="4" idx="2"/>
             <a:endCxn id="10" idx="0"/>
           </p:cNvCxnSpPr>
           <p:nvPr/>
@@ -4588,7 +4633,7 @@
         <p:spPr>
           <a:xfrm>
             <a:off x="6096000" y="3040234"/>
-            <a:ext cx="543591" cy="1348304"/>
+            <a:ext cx="1283906" cy="1348304"/>
           </a:xfrm>
           <a:prstGeom prst="straightConnector1">
             <a:avLst/>
@@ -4623,15 +4668,14 @@
           </p:cNvPr>
           <p:cNvCxnSpPr>
             <a:cxnSpLocks/>
-            <a:stCxn id="4" idx="2"/>
-            <a:endCxn id="11" idx="0"/>
+            <a:endCxn id="11" idx="1"/>
           </p:cNvCxnSpPr>
           <p:nvPr/>
         </p:nvCxnSpPr>
         <p:spPr>
           <a:xfrm>
-            <a:off x="6096000" y="3040234"/>
-            <a:ext cx="3839846" cy="1348304"/>
+            <a:off x="6096000" y="3038992"/>
+            <a:ext cx="3479562" cy="717225"/>
           </a:xfrm>
           <a:prstGeom prst="straightConnector1">
             <a:avLst/>
@@ -4655,6 +4699,105 @@
           </a:fontRef>
         </p:style>
       </p:cxnSp>
+      <p:sp>
+        <p:nvSpPr>
+          <p:cNvPr id="15" name="Flowchart: Process 14">
+            <a:extLst>
+              <a:ext uri="{FF2B5EF4-FFF2-40B4-BE49-F238E27FC236}">
+                <a16:creationId xmlns:a16="http://schemas.microsoft.com/office/drawing/2014/main" id="{5316F792-2A09-4901-A5A9-39046F204DFB}"/>
+              </a:ext>
+            </a:extLst>
+          </p:cNvPr>
+          <p:cNvSpPr/>
+          <p:nvPr/>
+        </p:nvSpPr>
+        <p:spPr>
+          <a:xfrm>
+            <a:off x="8917773" y="4889420"/>
+            <a:ext cx="1295540" cy="876406"/>
+          </a:xfrm>
+          <a:prstGeom prst="flowChartProcess">
+            <a:avLst/>
+          </a:prstGeom>
+        </p:spPr>
+        <p:style>
+          <a:lnRef idx="2">
+            <a:schemeClr val="accent1">
+              <a:shade val="50000"/>
+            </a:schemeClr>
+          </a:lnRef>
+          <a:fillRef idx="1">
+            <a:schemeClr val="accent1"/>
+          </a:fillRef>
+          <a:effectRef idx="0">
+            <a:schemeClr val="accent1"/>
+          </a:effectRef>
+          <a:fontRef idx="minor">
+            <a:schemeClr val="lt1"/>
+          </a:fontRef>
+        </p:style>
+        <p:txBody>
+          <a:bodyPr rtlCol="0" anchor="ctr"/>
+          <a:lstStyle/>
+          <a:p>
+            <a:pPr algn="ctr"/>
+            <a:r>
+              <a:rPr lang="en-US" dirty="0"/>
+              <a:t>Azure ALIQ System</a:t>
+            </a:r>
+          </a:p>
+        </p:txBody>
+      </p:sp>
+      <p:sp>
+        <p:nvSpPr>
+          <p:cNvPr id="30" name="Rectangle 29">
+            <a:extLst>
+              <a:ext uri="{FF2B5EF4-FFF2-40B4-BE49-F238E27FC236}">
+                <a16:creationId xmlns:a16="http://schemas.microsoft.com/office/drawing/2014/main" id="{0C2AAF1D-18D6-42B9-8713-67E79C867CA4}"/>
+              </a:ext>
+            </a:extLst>
+          </p:cNvPr>
+          <p:cNvSpPr/>
+          <p:nvPr/>
+        </p:nvSpPr>
+        <p:spPr>
+          <a:xfrm>
+            <a:off x="5383078" y="2191570"/>
+            <a:ext cx="1401593" cy="847422"/>
+          </a:xfrm>
+          <a:prstGeom prst="rect">
+            <a:avLst/>
+          </a:prstGeom>
+        </p:spPr>
+        <p:style>
+          <a:lnRef idx="2">
+            <a:schemeClr val="accent1">
+              <a:shade val="50000"/>
+            </a:schemeClr>
+          </a:lnRef>
+          <a:fillRef idx="1">
+            <a:schemeClr val="accent1"/>
+          </a:fillRef>
+          <a:effectRef idx="0">
+            <a:schemeClr val="accent1"/>
+          </a:effectRef>
+          <a:fontRef idx="minor">
+            <a:schemeClr val="lt1"/>
+          </a:fontRef>
+        </p:style>
+        <p:txBody>
+          <a:bodyPr rtlCol="0" anchor="ctr"/>
+          <a:lstStyle/>
+          <a:p>
+            <a:pPr algn="ctr"/>
+            <a:r>
+              <a:rPr lang="en-US"/>
+              <a:t>Logic.dll</a:t>
+            </a:r>
+            <a:endParaRPr lang="en-US" dirty="0"/>
+          </a:p>
+        </p:txBody>
+      </p:sp>
     </p:spTree>
     <p:extLst>
       <p:ext uri="{BB962C8B-B14F-4D97-AF65-F5344CB8AC3E}">
@@ -4729,7 +4872,12 @@
             <p:ph idx="1"/>
           </p:nvPr>
         </p:nvSpPr>
-        <p:spPr/>
+        <p:spPr>
+          <a:xfrm>
+            <a:off x="838200" y="1825625"/>
+            <a:ext cx="10515600" cy="4351338"/>
+          </a:xfrm>
+        </p:spPr>
         <p:txBody>
           <a:bodyPr/>
           <a:lstStyle/>
@@ -4750,13 +4898,8 @@
             </a:r>
             <a:r>
               <a:rPr lang="en-US" dirty="0"/>
-              <a:t>, arrays, files, DB tables, events</a:t>
-            </a:r>
-            <a:r>
-              <a:rPr lang="en-US"/>
-              <a:t>, etc.).</a:t>
-            </a:r>
-            <a:endParaRPr lang="en-US" dirty="0"/>
+              <a:t>, arrays, files, DB tables, events, etc.).</a:t>
+            </a:r>
           </a:p>
           <a:p>
             <a:pPr marL="0" indent="0">
@@ -4993,6 +5136,86 @@
     <p:extLst>
       <p:ext uri="{BB962C8B-B14F-4D97-AF65-F5344CB8AC3E}">
         <p14:creationId xmlns:p14="http://schemas.microsoft.com/office/powerpoint/2010/main" val="2245573577"/>
+      </p:ext>
+    </p:extLst>
+  </p:cSld>
+  <p:clrMapOvr>
+    <a:masterClrMapping/>
+  </p:clrMapOvr>
+</p:sld>
+</file>
+
+<file path=ppt/slides/slide4.xml><?xml version="1.0" encoding="utf-8"?>
+<p:sld xmlns:a="http://schemas.openxmlformats.org/drawingml/2006/main" xmlns:r="http://schemas.openxmlformats.org/officeDocument/2006/relationships" xmlns:p="http://schemas.openxmlformats.org/presentationml/2006/main">
+  <p:cSld>
+    <p:spTree>
+      <p:nvGrpSpPr>
+        <p:cNvPr id="1" name=""/>
+        <p:cNvGrpSpPr/>
+        <p:nvPr/>
+      </p:nvGrpSpPr>
+      <p:grpSpPr>
+        <a:xfrm>
+          <a:off x="0" y="0"/>
+          <a:ext cx="0" cy="0"/>
+          <a:chOff x="0" y="0"/>
+          <a:chExt cx="0" cy="0"/>
+        </a:xfrm>
+      </p:grpSpPr>
+      <p:sp>
+        <p:nvSpPr>
+          <p:cNvPr id="4" name="Title 3">
+            <a:extLst>
+              <a:ext uri="{FF2B5EF4-FFF2-40B4-BE49-F238E27FC236}">
+                <a16:creationId xmlns:a16="http://schemas.microsoft.com/office/drawing/2014/main" id="{984C4F1E-B484-4329-AF47-6BA22FAA2E50}"/>
+              </a:ext>
+            </a:extLst>
+          </p:cNvPr>
+          <p:cNvSpPr>
+            <a:spLocks noGrp="1"/>
+          </p:cNvSpPr>
+          <p:nvPr>
+            <p:ph type="title"/>
+          </p:nvPr>
+        </p:nvSpPr>
+        <p:spPr/>
+        <p:txBody>
+          <a:bodyPr/>
+          <a:lstStyle/>
+          <a:p>
+            <a:endParaRPr lang="en-US" dirty="0"/>
+          </a:p>
+        </p:txBody>
+      </p:sp>
+      <p:sp>
+        <p:nvSpPr>
+          <p:cNvPr id="5" name="Content Placeholder 4">
+            <a:extLst>
+              <a:ext uri="{FF2B5EF4-FFF2-40B4-BE49-F238E27FC236}">
+                <a16:creationId xmlns:a16="http://schemas.microsoft.com/office/drawing/2014/main" id="{29FB0ECC-5046-41D6-9640-B9AC32DE23C8}"/>
+              </a:ext>
+            </a:extLst>
+          </p:cNvPr>
+          <p:cNvSpPr>
+            <a:spLocks noGrp="1"/>
+          </p:cNvSpPr>
+          <p:nvPr>
+            <p:ph idx="1"/>
+          </p:nvPr>
+        </p:nvSpPr>
+        <p:spPr/>
+        <p:txBody>
+          <a:bodyPr/>
+          <a:lstStyle/>
+          <a:p>
+            <a:endParaRPr lang="en-US" dirty="0"/>
+          </a:p>
+        </p:txBody>
+      </p:sp>
+    </p:spTree>
+    <p:extLst>
+      <p:ext uri="{BB962C8B-B14F-4D97-AF65-F5344CB8AC3E}">
+        <p14:creationId xmlns:p14="http://schemas.microsoft.com/office/powerpoint/2010/main" val="3136213742"/>
       </p:ext>
     </p:extLst>
   </p:cSld>

--- a/aliq.pptx
+++ b/aliq.pptx
@@ -5,13 +5,21 @@
     <p:sldMasterId id="2147483648" r:id="rId1"/>
   </p:sldMasterIdLst>
   <p:notesMasterIdLst>
-    <p:notesMasterId r:id="rId6"/>
+    <p:notesMasterId r:id="rId14"/>
   </p:notesMasterIdLst>
   <p:sldIdLst>
     <p:sldId id="256" r:id="rId2"/>
     <p:sldId id="258" r:id="rId3"/>
     <p:sldId id="257" r:id="rId4"/>
-    <p:sldId id="259" r:id="rId5"/>
+    <p:sldId id="264" r:id="rId5"/>
+    <p:sldId id="259" r:id="rId6"/>
+    <p:sldId id="263" r:id="rId7"/>
+    <p:sldId id="265" r:id="rId8"/>
+    <p:sldId id="260" r:id="rId9"/>
+    <p:sldId id="266" r:id="rId10"/>
+    <p:sldId id="261" r:id="rId11"/>
+    <p:sldId id="267" r:id="rId12"/>
+    <p:sldId id="262" r:id="rId13"/>
   </p:sldIdLst>
   <p:sldSz cx="12192000" cy="6858000"/>
   <p:notesSz cx="6858000" cy="9144000"/>
@@ -555,6 +563,258 @@
 </p:notes>
 </file>
 
+<file path=ppt/notesSlides/notesSlide10.xml><?xml version="1.0" encoding="utf-8"?>
+<p:notes xmlns:a="http://schemas.openxmlformats.org/drawingml/2006/main" xmlns:r="http://schemas.openxmlformats.org/officeDocument/2006/relationships" xmlns:p="http://schemas.openxmlformats.org/presentationml/2006/main">
+  <p:cSld>
+    <p:spTree>
+      <p:nvGrpSpPr>
+        <p:cNvPr id="1" name=""/>
+        <p:cNvGrpSpPr/>
+        <p:nvPr/>
+      </p:nvGrpSpPr>
+      <p:grpSpPr>
+        <a:xfrm>
+          <a:off x="0" y="0"/>
+          <a:ext cx="0" cy="0"/>
+          <a:chOff x="0" y="0"/>
+          <a:chExt cx="0" cy="0"/>
+        </a:xfrm>
+      </p:grpSpPr>
+      <p:sp>
+        <p:nvSpPr>
+          <p:cNvPr id="2" name="Slide Image Placeholder 1"/>
+          <p:cNvSpPr>
+            <a:spLocks noGrp="1" noRot="1" noChangeAspect="1"/>
+          </p:cNvSpPr>
+          <p:nvPr>
+            <p:ph type="sldImg"/>
+          </p:nvPr>
+        </p:nvSpPr>
+        <p:spPr/>
+      </p:sp>
+      <p:sp>
+        <p:nvSpPr>
+          <p:cNvPr id="3" name="Notes Placeholder 2"/>
+          <p:cNvSpPr>
+            <a:spLocks noGrp="1"/>
+          </p:cNvSpPr>
+          <p:nvPr>
+            <p:ph type="body" idx="1"/>
+          </p:nvPr>
+        </p:nvSpPr>
+        <p:spPr/>
+        <p:txBody>
+          <a:bodyPr/>
+          <a:lstStyle/>
+          <a:p>
+            <a:endParaRPr lang="en-US"/>
+          </a:p>
+        </p:txBody>
+      </p:sp>
+      <p:sp>
+        <p:nvSpPr>
+          <p:cNvPr id="4" name="Slide Number Placeholder 3"/>
+          <p:cNvSpPr>
+            <a:spLocks noGrp="1"/>
+          </p:cNvSpPr>
+          <p:nvPr>
+            <p:ph type="sldNum" sz="quarter" idx="10"/>
+          </p:nvPr>
+        </p:nvSpPr>
+        <p:spPr/>
+        <p:txBody>
+          <a:bodyPr/>
+          <a:lstStyle/>
+          <a:p>
+            <a:fld id="{C4BD8586-1701-4A50-9F22-071D4490F734}" type="slidenum">
+              <a:rPr lang="en-US" smtClean="0"/>
+              <a:t>10</a:t>
+            </a:fld>
+            <a:endParaRPr lang="en-US"/>
+          </a:p>
+        </p:txBody>
+      </p:sp>
+    </p:spTree>
+    <p:extLst>
+      <p:ext uri="{BB962C8B-B14F-4D97-AF65-F5344CB8AC3E}">
+        <p14:creationId xmlns:p14="http://schemas.microsoft.com/office/powerpoint/2010/main" val="3063224241"/>
+      </p:ext>
+    </p:extLst>
+  </p:cSld>
+  <p:clrMapOvr>
+    <a:masterClrMapping/>
+  </p:clrMapOvr>
+</p:notes>
+</file>
+
+<file path=ppt/notesSlides/notesSlide11.xml><?xml version="1.0" encoding="utf-8"?>
+<p:notes xmlns:a="http://schemas.openxmlformats.org/drawingml/2006/main" xmlns:r="http://schemas.openxmlformats.org/officeDocument/2006/relationships" xmlns:p="http://schemas.openxmlformats.org/presentationml/2006/main">
+  <p:cSld>
+    <p:spTree>
+      <p:nvGrpSpPr>
+        <p:cNvPr id="1" name=""/>
+        <p:cNvGrpSpPr/>
+        <p:nvPr/>
+      </p:nvGrpSpPr>
+      <p:grpSpPr>
+        <a:xfrm>
+          <a:off x="0" y="0"/>
+          <a:ext cx="0" cy="0"/>
+          <a:chOff x="0" y="0"/>
+          <a:chExt cx="0" cy="0"/>
+        </a:xfrm>
+      </p:grpSpPr>
+      <p:sp>
+        <p:nvSpPr>
+          <p:cNvPr id="2" name="Slide Image Placeholder 1"/>
+          <p:cNvSpPr>
+            <a:spLocks noGrp="1" noRot="1" noChangeAspect="1"/>
+          </p:cNvSpPr>
+          <p:nvPr>
+            <p:ph type="sldImg"/>
+          </p:nvPr>
+        </p:nvSpPr>
+        <p:spPr/>
+      </p:sp>
+      <p:sp>
+        <p:nvSpPr>
+          <p:cNvPr id="3" name="Notes Placeholder 2"/>
+          <p:cNvSpPr>
+            <a:spLocks noGrp="1"/>
+          </p:cNvSpPr>
+          <p:nvPr>
+            <p:ph type="body" idx="1"/>
+          </p:nvPr>
+        </p:nvSpPr>
+        <p:spPr/>
+        <p:txBody>
+          <a:bodyPr/>
+          <a:lstStyle/>
+          <a:p>
+            <a:endParaRPr lang="en-US"/>
+          </a:p>
+        </p:txBody>
+      </p:sp>
+      <p:sp>
+        <p:nvSpPr>
+          <p:cNvPr id="4" name="Slide Number Placeholder 3"/>
+          <p:cNvSpPr>
+            <a:spLocks noGrp="1"/>
+          </p:cNvSpPr>
+          <p:nvPr>
+            <p:ph type="sldNum" sz="quarter" idx="10"/>
+          </p:nvPr>
+        </p:nvSpPr>
+        <p:spPr/>
+        <p:txBody>
+          <a:bodyPr/>
+          <a:lstStyle/>
+          <a:p>
+            <a:fld id="{C4BD8586-1701-4A50-9F22-071D4490F734}" type="slidenum">
+              <a:rPr lang="en-US" smtClean="0"/>
+              <a:t>11</a:t>
+            </a:fld>
+            <a:endParaRPr lang="en-US"/>
+          </a:p>
+        </p:txBody>
+      </p:sp>
+    </p:spTree>
+    <p:extLst>
+      <p:ext uri="{BB962C8B-B14F-4D97-AF65-F5344CB8AC3E}">
+        <p14:creationId xmlns:p14="http://schemas.microsoft.com/office/powerpoint/2010/main" val="682143312"/>
+      </p:ext>
+    </p:extLst>
+  </p:cSld>
+  <p:clrMapOvr>
+    <a:masterClrMapping/>
+  </p:clrMapOvr>
+</p:notes>
+</file>
+
+<file path=ppt/notesSlides/notesSlide12.xml><?xml version="1.0" encoding="utf-8"?>
+<p:notes xmlns:a="http://schemas.openxmlformats.org/drawingml/2006/main" xmlns:r="http://schemas.openxmlformats.org/officeDocument/2006/relationships" xmlns:p="http://schemas.openxmlformats.org/presentationml/2006/main">
+  <p:cSld>
+    <p:spTree>
+      <p:nvGrpSpPr>
+        <p:cNvPr id="1" name=""/>
+        <p:cNvGrpSpPr/>
+        <p:nvPr/>
+      </p:nvGrpSpPr>
+      <p:grpSpPr>
+        <a:xfrm>
+          <a:off x="0" y="0"/>
+          <a:ext cx="0" cy="0"/>
+          <a:chOff x="0" y="0"/>
+          <a:chExt cx="0" cy="0"/>
+        </a:xfrm>
+      </p:grpSpPr>
+      <p:sp>
+        <p:nvSpPr>
+          <p:cNvPr id="2" name="Slide Image Placeholder 1"/>
+          <p:cNvSpPr>
+            <a:spLocks noGrp="1" noRot="1" noChangeAspect="1"/>
+          </p:cNvSpPr>
+          <p:nvPr>
+            <p:ph type="sldImg"/>
+          </p:nvPr>
+        </p:nvSpPr>
+        <p:spPr/>
+      </p:sp>
+      <p:sp>
+        <p:nvSpPr>
+          <p:cNvPr id="3" name="Notes Placeholder 2"/>
+          <p:cNvSpPr>
+            <a:spLocks noGrp="1"/>
+          </p:cNvSpPr>
+          <p:nvPr>
+            <p:ph type="body" idx="1"/>
+          </p:nvPr>
+        </p:nvSpPr>
+        <p:spPr/>
+        <p:txBody>
+          <a:bodyPr/>
+          <a:lstStyle/>
+          <a:p>
+            <a:endParaRPr lang="en-US"/>
+          </a:p>
+        </p:txBody>
+      </p:sp>
+      <p:sp>
+        <p:nvSpPr>
+          <p:cNvPr id="4" name="Slide Number Placeholder 3"/>
+          <p:cNvSpPr>
+            <a:spLocks noGrp="1"/>
+          </p:cNvSpPr>
+          <p:nvPr>
+            <p:ph type="sldNum" sz="quarter" idx="10"/>
+          </p:nvPr>
+        </p:nvSpPr>
+        <p:spPr/>
+        <p:txBody>
+          <a:bodyPr/>
+          <a:lstStyle/>
+          <a:p>
+            <a:fld id="{C4BD8586-1701-4A50-9F22-071D4490F734}" type="slidenum">
+              <a:rPr lang="en-US" smtClean="0"/>
+              <a:t>12</a:t>
+            </a:fld>
+            <a:endParaRPr lang="en-US"/>
+          </a:p>
+        </p:txBody>
+      </p:sp>
+    </p:spTree>
+    <p:extLst>
+      <p:ext uri="{BB962C8B-B14F-4D97-AF65-F5344CB8AC3E}">
+        <p14:creationId xmlns:p14="http://schemas.microsoft.com/office/powerpoint/2010/main" val="1666057301"/>
+      </p:ext>
+    </p:extLst>
+  </p:cSld>
+  <p:clrMapOvr>
+    <a:masterClrMapping/>
+  </p:clrMapOvr>
+</p:notes>
+</file>
+
 <file path=ppt/notesSlides/notesSlide2.xml><?xml version="1.0" encoding="utf-8"?>
 <p:notes xmlns:a="http://schemas.openxmlformats.org/drawingml/2006/main" xmlns:r="http://schemas.openxmlformats.org/officeDocument/2006/relationships" xmlns:p="http://schemas.openxmlformats.org/presentationml/2006/main">
   <p:cSld>
@@ -797,7 +1057,427 @@
     </p:spTree>
     <p:extLst>
       <p:ext uri="{BB962C8B-B14F-4D97-AF65-F5344CB8AC3E}">
+        <p14:creationId xmlns:p14="http://schemas.microsoft.com/office/powerpoint/2010/main" val="1289108373"/>
+      </p:ext>
+    </p:extLst>
+  </p:cSld>
+  <p:clrMapOvr>
+    <a:masterClrMapping/>
+  </p:clrMapOvr>
+</p:notes>
+</file>
+
+<file path=ppt/notesSlides/notesSlide5.xml><?xml version="1.0" encoding="utf-8"?>
+<p:notes xmlns:a="http://schemas.openxmlformats.org/drawingml/2006/main" xmlns:r="http://schemas.openxmlformats.org/officeDocument/2006/relationships" xmlns:p="http://schemas.openxmlformats.org/presentationml/2006/main">
+  <p:cSld>
+    <p:spTree>
+      <p:nvGrpSpPr>
+        <p:cNvPr id="1" name=""/>
+        <p:cNvGrpSpPr/>
+        <p:nvPr/>
+      </p:nvGrpSpPr>
+      <p:grpSpPr>
+        <a:xfrm>
+          <a:off x="0" y="0"/>
+          <a:ext cx="0" cy="0"/>
+          <a:chOff x="0" y="0"/>
+          <a:chExt cx="0" cy="0"/>
+        </a:xfrm>
+      </p:grpSpPr>
+      <p:sp>
+        <p:nvSpPr>
+          <p:cNvPr id="2" name="Slide Image Placeholder 1"/>
+          <p:cNvSpPr>
+            <a:spLocks noGrp="1" noRot="1" noChangeAspect="1"/>
+          </p:cNvSpPr>
+          <p:nvPr>
+            <p:ph type="sldImg"/>
+          </p:nvPr>
+        </p:nvSpPr>
+        <p:spPr/>
+      </p:sp>
+      <p:sp>
+        <p:nvSpPr>
+          <p:cNvPr id="3" name="Notes Placeholder 2"/>
+          <p:cNvSpPr>
+            <a:spLocks noGrp="1"/>
+          </p:cNvSpPr>
+          <p:nvPr>
+            <p:ph type="body" idx="1"/>
+          </p:nvPr>
+        </p:nvSpPr>
+        <p:spPr/>
+        <p:txBody>
+          <a:bodyPr/>
+          <a:lstStyle/>
+          <a:p>
+            <a:endParaRPr lang="en-US"/>
+          </a:p>
+        </p:txBody>
+      </p:sp>
+      <p:sp>
+        <p:nvSpPr>
+          <p:cNvPr id="4" name="Slide Number Placeholder 3"/>
+          <p:cNvSpPr>
+            <a:spLocks noGrp="1"/>
+          </p:cNvSpPr>
+          <p:nvPr>
+            <p:ph type="sldNum" sz="quarter" idx="10"/>
+          </p:nvPr>
+        </p:nvSpPr>
+        <p:spPr/>
+        <p:txBody>
+          <a:bodyPr/>
+          <a:lstStyle/>
+          <a:p>
+            <a:fld id="{C4BD8586-1701-4A50-9F22-071D4490F734}" type="slidenum">
+              <a:rPr lang="en-US" smtClean="0"/>
+              <a:t>5</a:t>
+            </a:fld>
+            <a:endParaRPr lang="en-US"/>
+          </a:p>
+        </p:txBody>
+      </p:sp>
+    </p:spTree>
+    <p:extLst>
+      <p:ext uri="{BB962C8B-B14F-4D97-AF65-F5344CB8AC3E}">
         <p14:creationId xmlns:p14="http://schemas.microsoft.com/office/powerpoint/2010/main" val="1715066026"/>
+      </p:ext>
+    </p:extLst>
+  </p:cSld>
+  <p:clrMapOvr>
+    <a:masterClrMapping/>
+  </p:clrMapOvr>
+</p:notes>
+</file>
+
+<file path=ppt/notesSlides/notesSlide6.xml><?xml version="1.0" encoding="utf-8"?>
+<p:notes xmlns:a="http://schemas.openxmlformats.org/drawingml/2006/main" xmlns:r="http://schemas.openxmlformats.org/officeDocument/2006/relationships" xmlns:p="http://schemas.openxmlformats.org/presentationml/2006/main">
+  <p:cSld>
+    <p:spTree>
+      <p:nvGrpSpPr>
+        <p:cNvPr id="1" name=""/>
+        <p:cNvGrpSpPr/>
+        <p:nvPr/>
+      </p:nvGrpSpPr>
+      <p:grpSpPr>
+        <a:xfrm>
+          <a:off x="0" y="0"/>
+          <a:ext cx="0" cy="0"/>
+          <a:chOff x="0" y="0"/>
+          <a:chExt cx="0" cy="0"/>
+        </a:xfrm>
+      </p:grpSpPr>
+      <p:sp>
+        <p:nvSpPr>
+          <p:cNvPr id="2" name="Slide Image Placeholder 1"/>
+          <p:cNvSpPr>
+            <a:spLocks noGrp="1" noRot="1" noChangeAspect="1"/>
+          </p:cNvSpPr>
+          <p:nvPr>
+            <p:ph type="sldImg"/>
+          </p:nvPr>
+        </p:nvSpPr>
+        <p:spPr/>
+      </p:sp>
+      <p:sp>
+        <p:nvSpPr>
+          <p:cNvPr id="3" name="Notes Placeholder 2"/>
+          <p:cNvSpPr>
+            <a:spLocks noGrp="1"/>
+          </p:cNvSpPr>
+          <p:nvPr>
+            <p:ph type="body" idx="1"/>
+          </p:nvPr>
+        </p:nvSpPr>
+        <p:spPr/>
+        <p:txBody>
+          <a:bodyPr/>
+          <a:lstStyle/>
+          <a:p>
+            <a:endParaRPr lang="en-US"/>
+          </a:p>
+        </p:txBody>
+      </p:sp>
+      <p:sp>
+        <p:nvSpPr>
+          <p:cNvPr id="4" name="Slide Number Placeholder 3"/>
+          <p:cNvSpPr>
+            <a:spLocks noGrp="1"/>
+          </p:cNvSpPr>
+          <p:nvPr>
+            <p:ph type="sldNum" sz="quarter" idx="10"/>
+          </p:nvPr>
+        </p:nvSpPr>
+        <p:spPr/>
+        <p:txBody>
+          <a:bodyPr/>
+          <a:lstStyle/>
+          <a:p>
+            <a:fld id="{C4BD8586-1701-4A50-9F22-071D4490F734}" type="slidenum">
+              <a:rPr lang="en-US" smtClean="0"/>
+              <a:t>6</a:t>
+            </a:fld>
+            <a:endParaRPr lang="en-US"/>
+          </a:p>
+        </p:txBody>
+      </p:sp>
+    </p:spTree>
+    <p:extLst>
+      <p:ext uri="{BB962C8B-B14F-4D97-AF65-F5344CB8AC3E}">
+        <p14:creationId xmlns:p14="http://schemas.microsoft.com/office/powerpoint/2010/main" val="314207127"/>
+      </p:ext>
+    </p:extLst>
+  </p:cSld>
+  <p:clrMapOvr>
+    <a:masterClrMapping/>
+  </p:clrMapOvr>
+</p:notes>
+</file>
+
+<file path=ppt/notesSlides/notesSlide7.xml><?xml version="1.0" encoding="utf-8"?>
+<p:notes xmlns:a="http://schemas.openxmlformats.org/drawingml/2006/main" xmlns:r="http://schemas.openxmlformats.org/officeDocument/2006/relationships" xmlns:p="http://schemas.openxmlformats.org/presentationml/2006/main">
+  <p:cSld>
+    <p:spTree>
+      <p:nvGrpSpPr>
+        <p:cNvPr id="1" name=""/>
+        <p:cNvGrpSpPr/>
+        <p:nvPr/>
+      </p:nvGrpSpPr>
+      <p:grpSpPr>
+        <a:xfrm>
+          <a:off x="0" y="0"/>
+          <a:ext cx="0" cy="0"/>
+          <a:chOff x="0" y="0"/>
+          <a:chExt cx="0" cy="0"/>
+        </a:xfrm>
+      </p:grpSpPr>
+      <p:sp>
+        <p:nvSpPr>
+          <p:cNvPr id="2" name="Slide Image Placeholder 1"/>
+          <p:cNvSpPr>
+            <a:spLocks noGrp="1" noRot="1" noChangeAspect="1"/>
+          </p:cNvSpPr>
+          <p:nvPr>
+            <p:ph type="sldImg"/>
+          </p:nvPr>
+        </p:nvSpPr>
+        <p:spPr/>
+      </p:sp>
+      <p:sp>
+        <p:nvSpPr>
+          <p:cNvPr id="3" name="Notes Placeholder 2"/>
+          <p:cNvSpPr>
+            <a:spLocks noGrp="1"/>
+          </p:cNvSpPr>
+          <p:nvPr>
+            <p:ph type="body" idx="1"/>
+          </p:nvPr>
+        </p:nvSpPr>
+        <p:spPr/>
+        <p:txBody>
+          <a:bodyPr/>
+          <a:lstStyle/>
+          <a:p>
+            <a:endParaRPr lang="en-US"/>
+          </a:p>
+        </p:txBody>
+      </p:sp>
+      <p:sp>
+        <p:nvSpPr>
+          <p:cNvPr id="4" name="Slide Number Placeholder 3"/>
+          <p:cNvSpPr>
+            <a:spLocks noGrp="1"/>
+          </p:cNvSpPr>
+          <p:nvPr>
+            <p:ph type="sldNum" sz="quarter" idx="10"/>
+          </p:nvPr>
+        </p:nvSpPr>
+        <p:spPr/>
+        <p:txBody>
+          <a:bodyPr/>
+          <a:lstStyle/>
+          <a:p>
+            <a:fld id="{C4BD8586-1701-4A50-9F22-071D4490F734}" type="slidenum">
+              <a:rPr lang="en-US" smtClean="0"/>
+              <a:t>7</a:t>
+            </a:fld>
+            <a:endParaRPr lang="en-US"/>
+          </a:p>
+        </p:txBody>
+      </p:sp>
+    </p:spTree>
+    <p:extLst>
+      <p:ext uri="{BB962C8B-B14F-4D97-AF65-F5344CB8AC3E}">
+        <p14:creationId xmlns:p14="http://schemas.microsoft.com/office/powerpoint/2010/main" val="3272473958"/>
+      </p:ext>
+    </p:extLst>
+  </p:cSld>
+  <p:clrMapOvr>
+    <a:masterClrMapping/>
+  </p:clrMapOvr>
+</p:notes>
+</file>
+
+<file path=ppt/notesSlides/notesSlide8.xml><?xml version="1.0" encoding="utf-8"?>
+<p:notes xmlns:a="http://schemas.openxmlformats.org/drawingml/2006/main" xmlns:r="http://schemas.openxmlformats.org/officeDocument/2006/relationships" xmlns:p="http://schemas.openxmlformats.org/presentationml/2006/main">
+  <p:cSld>
+    <p:spTree>
+      <p:nvGrpSpPr>
+        <p:cNvPr id="1" name=""/>
+        <p:cNvGrpSpPr/>
+        <p:nvPr/>
+      </p:nvGrpSpPr>
+      <p:grpSpPr>
+        <a:xfrm>
+          <a:off x="0" y="0"/>
+          <a:ext cx="0" cy="0"/>
+          <a:chOff x="0" y="0"/>
+          <a:chExt cx="0" cy="0"/>
+        </a:xfrm>
+      </p:grpSpPr>
+      <p:sp>
+        <p:nvSpPr>
+          <p:cNvPr id="2" name="Slide Image Placeholder 1"/>
+          <p:cNvSpPr>
+            <a:spLocks noGrp="1" noRot="1" noChangeAspect="1"/>
+          </p:cNvSpPr>
+          <p:nvPr>
+            <p:ph type="sldImg"/>
+          </p:nvPr>
+        </p:nvSpPr>
+        <p:spPr/>
+      </p:sp>
+      <p:sp>
+        <p:nvSpPr>
+          <p:cNvPr id="3" name="Notes Placeholder 2"/>
+          <p:cNvSpPr>
+            <a:spLocks noGrp="1"/>
+          </p:cNvSpPr>
+          <p:nvPr>
+            <p:ph type="body" idx="1"/>
+          </p:nvPr>
+        </p:nvSpPr>
+        <p:spPr/>
+        <p:txBody>
+          <a:bodyPr/>
+          <a:lstStyle/>
+          <a:p>
+            <a:endParaRPr lang="en-US"/>
+          </a:p>
+        </p:txBody>
+      </p:sp>
+      <p:sp>
+        <p:nvSpPr>
+          <p:cNvPr id="4" name="Slide Number Placeholder 3"/>
+          <p:cNvSpPr>
+            <a:spLocks noGrp="1"/>
+          </p:cNvSpPr>
+          <p:nvPr>
+            <p:ph type="sldNum" sz="quarter" idx="10"/>
+          </p:nvPr>
+        </p:nvSpPr>
+        <p:spPr/>
+        <p:txBody>
+          <a:bodyPr/>
+          <a:lstStyle/>
+          <a:p>
+            <a:fld id="{C4BD8586-1701-4A50-9F22-071D4490F734}" type="slidenum">
+              <a:rPr lang="en-US" smtClean="0"/>
+              <a:t>8</a:t>
+            </a:fld>
+            <a:endParaRPr lang="en-US"/>
+          </a:p>
+        </p:txBody>
+      </p:sp>
+    </p:spTree>
+    <p:extLst>
+      <p:ext uri="{BB962C8B-B14F-4D97-AF65-F5344CB8AC3E}">
+        <p14:creationId xmlns:p14="http://schemas.microsoft.com/office/powerpoint/2010/main" val="3202494491"/>
+      </p:ext>
+    </p:extLst>
+  </p:cSld>
+  <p:clrMapOvr>
+    <a:masterClrMapping/>
+  </p:clrMapOvr>
+</p:notes>
+</file>
+
+<file path=ppt/notesSlides/notesSlide9.xml><?xml version="1.0" encoding="utf-8"?>
+<p:notes xmlns:a="http://schemas.openxmlformats.org/drawingml/2006/main" xmlns:r="http://schemas.openxmlformats.org/officeDocument/2006/relationships" xmlns:p="http://schemas.openxmlformats.org/presentationml/2006/main">
+  <p:cSld>
+    <p:spTree>
+      <p:nvGrpSpPr>
+        <p:cNvPr id="1" name=""/>
+        <p:cNvGrpSpPr/>
+        <p:nvPr/>
+      </p:nvGrpSpPr>
+      <p:grpSpPr>
+        <a:xfrm>
+          <a:off x="0" y="0"/>
+          <a:ext cx="0" cy="0"/>
+          <a:chOff x="0" y="0"/>
+          <a:chExt cx="0" cy="0"/>
+        </a:xfrm>
+      </p:grpSpPr>
+      <p:sp>
+        <p:nvSpPr>
+          <p:cNvPr id="2" name="Slide Image Placeholder 1"/>
+          <p:cNvSpPr>
+            <a:spLocks noGrp="1" noRot="1" noChangeAspect="1"/>
+          </p:cNvSpPr>
+          <p:nvPr>
+            <p:ph type="sldImg"/>
+          </p:nvPr>
+        </p:nvSpPr>
+        <p:spPr/>
+      </p:sp>
+      <p:sp>
+        <p:nvSpPr>
+          <p:cNvPr id="3" name="Notes Placeholder 2"/>
+          <p:cNvSpPr>
+            <a:spLocks noGrp="1"/>
+          </p:cNvSpPr>
+          <p:nvPr>
+            <p:ph type="body" idx="1"/>
+          </p:nvPr>
+        </p:nvSpPr>
+        <p:spPr/>
+        <p:txBody>
+          <a:bodyPr/>
+          <a:lstStyle/>
+          <a:p>
+            <a:endParaRPr lang="en-US"/>
+          </a:p>
+        </p:txBody>
+      </p:sp>
+      <p:sp>
+        <p:nvSpPr>
+          <p:cNvPr id="4" name="Slide Number Placeholder 3"/>
+          <p:cNvSpPr>
+            <a:spLocks noGrp="1"/>
+          </p:cNvSpPr>
+          <p:nvPr>
+            <p:ph type="sldNum" sz="quarter" idx="10"/>
+          </p:nvPr>
+        </p:nvSpPr>
+        <p:spPr/>
+        <p:txBody>
+          <a:bodyPr/>
+          <a:lstStyle/>
+          <a:p>
+            <a:fld id="{C4BD8586-1701-4A50-9F22-071D4490F734}" type="slidenum">
+              <a:rPr lang="en-US" smtClean="0"/>
+              <a:t>9</a:t>
+            </a:fld>
+            <a:endParaRPr lang="en-US"/>
+          </a:p>
+        </p:txBody>
+      </p:sp>
+    </p:spTree>
+    <p:extLst>
+      <p:ext uri="{BB962C8B-B14F-4D97-AF65-F5344CB8AC3E}">
+        <p14:creationId xmlns:p14="http://schemas.microsoft.com/office/powerpoint/2010/main" val="1708684485"/>
       </p:ext>
     </p:extLst>
   </p:cSld>
@@ -4094,6 +4774,278 @@
 </p:sld>
 </file>
 
+<file path=ppt/slides/slide10.xml><?xml version="1.0" encoding="utf-8"?>
+<p:sld xmlns:a="http://schemas.openxmlformats.org/drawingml/2006/main" xmlns:r="http://schemas.openxmlformats.org/officeDocument/2006/relationships" xmlns:p="http://schemas.openxmlformats.org/presentationml/2006/main">
+  <p:cSld>
+    <p:spTree>
+      <p:nvGrpSpPr>
+        <p:cNvPr id="1" name=""/>
+        <p:cNvGrpSpPr/>
+        <p:nvPr/>
+      </p:nvGrpSpPr>
+      <p:grpSpPr>
+        <a:xfrm>
+          <a:off x="0" y="0"/>
+          <a:ext cx="0" cy="0"/>
+          <a:chOff x="0" y="0"/>
+          <a:chExt cx="0" cy="0"/>
+        </a:xfrm>
+      </p:grpSpPr>
+      <p:sp>
+        <p:nvSpPr>
+          <p:cNvPr id="2" name="Title 1">
+            <a:extLst>
+              <a:ext uri="{FF2B5EF4-FFF2-40B4-BE49-F238E27FC236}">
+                <a16:creationId xmlns:a16="http://schemas.microsoft.com/office/drawing/2014/main" id="{039B3D66-1B6E-4C8C-BD1E-EB5266066C60}"/>
+              </a:ext>
+            </a:extLst>
+          </p:cNvPr>
+          <p:cNvSpPr>
+            <a:spLocks noGrp="1"/>
+          </p:cNvSpPr>
+          <p:nvPr>
+            <p:ph type="title"/>
+          </p:nvPr>
+        </p:nvSpPr>
+        <p:spPr/>
+        <p:txBody>
+          <a:bodyPr/>
+          <a:lstStyle/>
+          <a:p>
+            <a:pPr algn="ctr"/>
+            <a:r>
+              <a:rPr lang="en-US" dirty="0"/>
+              <a:t>Binding data</a:t>
+            </a:r>
+          </a:p>
+        </p:txBody>
+      </p:sp>
+      <p:pic>
+        <p:nvPicPr>
+          <p:cNvPr id="6" name="Content Placeholder 5">
+            <a:extLst>
+              <a:ext uri="{FF2B5EF4-FFF2-40B4-BE49-F238E27FC236}">
+                <a16:creationId xmlns:a16="http://schemas.microsoft.com/office/drawing/2014/main" id="{F873B5BB-D576-48E9-9180-0A3F373CCAAD}"/>
+              </a:ext>
+            </a:extLst>
+          </p:cNvPr>
+          <p:cNvPicPr>
+            <a:picLocks noGrp="1" noChangeAspect="1"/>
+          </p:cNvPicPr>
+          <p:nvPr>
+            <p:ph idx="1"/>
+          </p:nvPr>
+        </p:nvPicPr>
+        <p:blipFill>
+          <a:blip r:embed="rId3"/>
+          <a:stretch>
+            <a:fillRect/>
+          </a:stretch>
+        </p:blipFill>
+        <p:spPr>
+          <a:xfrm>
+            <a:off x="838201" y="3471620"/>
+            <a:ext cx="10515600" cy="982111"/>
+          </a:xfrm>
+          <a:prstGeom prst="rect">
+            <a:avLst/>
+          </a:prstGeom>
+        </p:spPr>
+      </p:pic>
+    </p:spTree>
+    <p:extLst>
+      <p:ext uri="{BB962C8B-B14F-4D97-AF65-F5344CB8AC3E}">
+        <p14:creationId xmlns:p14="http://schemas.microsoft.com/office/powerpoint/2010/main" val="3849068118"/>
+      </p:ext>
+    </p:extLst>
+  </p:cSld>
+  <p:clrMapOvr>
+    <a:masterClrMapping/>
+  </p:clrMapOvr>
+</p:sld>
+</file>
+
+<file path=ppt/slides/slide11.xml><?xml version="1.0" encoding="utf-8"?>
+<p:sld xmlns:a="http://schemas.openxmlformats.org/drawingml/2006/main" xmlns:r="http://schemas.openxmlformats.org/officeDocument/2006/relationships" xmlns:p="http://schemas.openxmlformats.org/presentationml/2006/main">
+  <p:cSld>
+    <p:spTree>
+      <p:nvGrpSpPr>
+        <p:cNvPr id="1" name=""/>
+        <p:cNvGrpSpPr/>
+        <p:nvPr/>
+      </p:nvGrpSpPr>
+      <p:grpSpPr>
+        <a:xfrm>
+          <a:off x="0" y="0"/>
+          <a:ext cx="0" cy="0"/>
+          <a:chOff x="0" y="0"/>
+          <a:chExt cx="0" cy="0"/>
+        </a:xfrm>
+      </p:grpSpPr>
+      <p:sp>
+        <p:nvSpPr>
+          <p:cNvPr id="2" name="Title 1">
+            <a:extLst>
+              <a:ext uri="{FF2B5EF4-FFF2-40B4-BE49-F238E27FC236}">
+                <a16:creationId xmlns:a16="http://schemas.microsoft.com/office/drawing/2014/main" id="{B2B5EA6F-ACCA-46B2-9B2A-5AEC12CDAB4C}"/>
+              </a:ext>
+            </a:extLst>
+          </p:cNvPr>
+          <p:cNvSpPr>
+            <a:spLocks noGrp="1"/>
+          </p:cNvSpPr>
+          <p:nvPr>
+            <p:ph type="title"/>
+          </p:nvPr>
+        </p:nvSpPr>
+        <p:spPr/>
+        <p:txBody>
+          <a:bodyPr/>
+          <a:lstStyle/>
+          <a:p>
+            <a:pPr algn="ctr"/>
+            <a:r>
+              <a:rPr lang="en-US" dirty="0"/>
+              <a:t>Execute!</a:t>
+            </a:r>
+          </a:p>
+        </p:txBody>
+      </p:sp>
+      <p:sp>
+        <p:nvSpPr>
+          <p:cNvPr id="3" name="Content Placeholder 2">
+            <a:extLst>
+              <a:ext uri="{FF2B5EF4-FFF2-40B4-BE49-F238E27FC236}">
+                <a16:creationId xmlns:a16="http://schemas.microsoft.com/office/drawing/2014/main" id="{2C6D2763-8506-4CA3-BFD8-E868C93BD514}"/>
+              </a:ext>
+            </a:extLst>
+          </p:cNvPr>
+          <p:cNvSpPr>
+            <a:spLocks noGrp="1"/>
+          </p:cNvSpPr>
+          <p:nvPr>
+            <p:ph idx="1"/>
+          </p:nvPr>
+        </p:nvSpPr>
+        <p:spPr/>
+        <p:txBody>
+          <a:bodyPr/>
+          <a:lstStyle/>
+          <a:p>
+            <a:pPr marL="0" indent="0">
+              <a:buNone/>
+            </a:pPr>
+            <a:r>
+              <a:rPr lang="en-US" dirty="0"/>
+              <a:t>	Just send the business logic to the adapter and get the results!</a:t>
+            </a:r>
+          </a:p>
+        </p:txBody>
+      </p:sp>
+    </p:spTree>
+    <p:extLst>
+      <p:ext uri="{BB962C8B-B14F-4D97-AF65-F5344CB8AC3E}">
+        <p14:creationId xmlns:p14="http://schemas.microsoft.com/office/powerpoint/2010/main" val="981714103"/>
+      </p:ext>
+    </p:extLst>
+  </p:cSld>
+  <p:clrMapOvr>
+    <a:masterClrMapping/>
+  </p:clrMapOvr>
+</p:sld>
+</file>
+
+<file path=ppt/slides/slide12.xml><?xml version="1.0" encoding="utf-8"?>
+<p:sld xmlns:a="http://schemas.openxmlformats.org/drawingml/2006/main" xmlns:r="http://schemas.openxmlformats.org/officeDocument/2006/relationships" xmlns:p="http://schemas.openxmlformats.org/presentationml/2006/main">
+  <p:cSld>
+    <p:spTree>
+      <p:nvGrpSpPr>
+        <p:cNvPr id="1" name=""/>
+        <p:cNvGrpSpPr/>
+        <p:nvPr/>
+      </p:nvGrpSpPr>
+      <p:grpSpPr>
+        <a:xfrm>
+          <a:off x="0" y="0"/>
+          <a:ext cx="0" cy="0"/>
+          <a:chOff x="0" y="0"/>
+          <a:chExt cx="0" cy="0"/>
+        </a:xfrm>
+      </p:grpSpPr>
+      <p:sp>
+        <p:nvSpPr>
+          <p:cNvPr id="2" name="Title 1">
+            <a:extLst>
+              <a:ext uri="{FF2B5EF4-FFF2-40B4-BE49-F238E27FC236}">
+                <a16:creationId xmlns:a16="http://schemas.microsoft.com/office/drawing/2014/main" id="{DC793242-4CF2-41FD-9A72-542E657AF713}"/>
+              </a:ext>
+            </a:extLst>
+          </p:cNvPr>
+          <p:cNvSpPr>
+            <a:spLocks noGrp="1"/>
+          </p:cNvSpPr>
+          <p:nvPr>
+            <p:ph type="title"/>
+          </p:nvPr>
+        </p:nvSpPr>
+        <p:spPr/>
+        <p:txBody>
+          <a:bodyPr/>
+          <a:lstStyle/>
+          <a:p>
+            <a:pPr algn="ctr"/>
+            <a:r>
+              <a:rPr lang="en-US" dirty="0"/>
+              <a:t>Execute!</a:t>
+            </a:r>
+          </a:p>
+        </p:txBody>
+      </p:sp>
+      <p:pic>
+        <p:nvPicPr>
+          <p:cNvPr id="4" name="Content Placeholder 3">
+            <a:extLst>
+              <a:ext uri="{FF2B5EF4-FFF2-40B4-BE49-F238E27FC236}">
+                <a16:creationId xmlns:a16="http://schemas.microsoft.com/office/drawing/2014/main" id="{E4521E90-A273-4171-A0F7-7F25EE2C30F9}"/>
+              </a:ext>
+            </a:extLst>
+          </p:cNvPr>
+          <p:cNvPicPr>
+            <a:picLocks noGrp="1" noChangeAspect="1"/>
+          </p:cNvPicPr>
+          <p:nvPr>
+            <p:ph idx="1"/>
+          </p:nvPr>
+        </p:nvPicPr>
+        <p:blipFill>
+          <a:blip r:embed="rId3"/>
+          <a:stretch>
+            <a:fillRect/>
+          </a:stretch>
+        </p:blipFill>
+        <p:spPr>
+          <a:xfrm>
+            <a:off x="1004887" y="3329781"/>
+            <a:ext cx="10182225" cy="1343025"/>
+          </a:xfrm>
+          <a:prstGeom prst="rect">
+            <a:avLst/>
+          </a:prstGeom>
+        </p:spPr>
+      </p:pic>
+    </p:spTree>
+    <p:extLst>
+      <p:ext uri="{BB962C8B-B14F-4D97-AF65-F5344CB8AC3E}">
+        <p14:creationId xmlns:p14="http://schemas.microsoft.com/office/powerpoint/2010/main" val="2722178384"/>
+      </p:ext>
+    </p:extLst>
+  </p:cSld>
+  <p:clrMapOvr>
+    <a:masterClrMapping/>
+  </p:clrMapOvr>
+</p:sld>
+</file>
+
 <file path=ppt/slides/slide2.xml><?xml version="1.0" encoding="utf-8"?>
 <p:sld xmlns:a="http://schemas.openxmlformats.org/drawingml/2006/main" xmlns:r="http://schemas.openxmlformats.org/officeDocument/2006/relationships" xmlns:p="http://schemas.openxmlformats.org/presentationml/2006/main">
   <p:cSld>
@@ -4791,10 +5743,9 @@
           <a:p>
             <a:pPr algn="ctr"/>
             <a:r>
-              <a:rPr lang="en-US"/>
+              <a:rPr lang="en-US" dirty="0"/>
               <a:t>Logic.dll</a:t>
             </a:r>
-            <a:endParaRPr lang="en-US" dirty="0"/>
           </a:p>
         </p:txBody>
       </p:sp>
@@ -5164,6 +6115,105 @@
       </p:grpSpPr>
       <p:sp>
         <p:nvSpPr>
+          <p:cNvPr id="2" name="Title 1">
+            <a:extLst>
+              <a:ext uri="{FF2B5EF4-FFF2-40B4-BE49-F238E27FC236}">
+                <a16:creationId xmlns:a16="http://schemas.microsoft.com/office/drawing/2014/main" id="{46E46373-2E61-4279-959E-097A0A2BA94A}"/>
+              </a:ext>
+            </a:extLst>
+          </p:cNvPr>
+          <p:cNvSpPr>
+            <a:spLocks noGrp="1"/>
+          </p:cNvSpPr>
+          <p:nvPr>
+            <p:ph type="title"/>
+          </p:nvPr>
+        </p:nvSpPr>
+        <p:spPr/>
+        <p:txBody>
+          <a:bodyPr/>
+          <a:lstStyle/>
+          <a:p>
+            <a:pPr algn="ctr"/>
+            <a:r>
+              <a:rPr lang="en-US" dirty="0"/>
+              <a:t>Describing the business logic</a:t>
+            </a:r>
+          </a:p>
+        </p:txBody>
+      </p:sp>
+      <p:sp>
+        <p:nvSpPr>
+          <p:cNvPr id="3" name="Content Placeholder 2">
+            <a:extLst>
+              <a:ext uri="{FF2B5EF4-FFF2-40B4-BE49-F238E27FC236}">
+                <a16:creationId xmlns:a16="http://schemas.microsoft.com/office/drawing/2014/main" id="{2B08545B-4DD0-4950-A271-E64B2BDBC6E0}"/>
+              </a:ext>
+            </a:extLst>
+          </p:cNvPr>
+          <p:cNvSpPr>
+            <a:spLocks noGrp="1"/>
+          </p:cNvSpPr>
+          <p:nvPr>
+            <p:ph idx="1"/>
+          </p:nvPr>
+        </p:nvSpPr>
+        <p:spPr/>
+        <p:txBody>
+          <a:bodyPr/>
+          <a:lstStyle/>
+          <a:p>
+            <a:r>
+              <a:rPr lang="en-US" dirty="0"/>
+              <a:t>Business logic does not care about the data provider</a:t>
+            </a:r>
+          </a:p>
+          <a:p>
+            <a:r>
+              <a:rPr lang="en-US" dirty="0"/>
+              <a:t>We are freed up to define the logic in advance with the presumption that all necessary methods will be implemented by data provider</a:t>
+            </a:r>
+          </a:p>
+          <a:p>
+            <a:r>
+              <a:rPr lang="en-US" dirty="0"/>
+              <a:t>Define and deploy! The joy!</a:t>
+            </a:r>
+          </a:p>
+        </p:txBody>
+      </p:sp>
+    </p:spTree>
+    <p:extLst>
+      <p:ext uri="{BB962C8B-B14F-4D97-AF65-F5344CB8AC3E}">
+        <p14:creationId xmlns:p14="http://schemas.microsoft.com/office/powerpoint/2010/main" val="3562911601"/>
+      </p:ext>
+    </p:extLst>
+  </p:cSld>
+  <p:clrMapOvr>
+    <a:masterClrMapping/>
+  </p:clrMapOvr>
+</p:sld>
+</file>
+
+<file path=ppt/slides/slide5.xml><?xml version="1.0" encoding="utf-8"?>
+<p:sld xmlns:a="http://schemas.openxmlformats.org/drawingml/2006/main" xmlns:r="http://schemas.openxmlformats.org/officeDocument/2006/relationships" xmlns:p="http://schemas.openxmlformats.org/presentationml/2006/main">
+  <p:cSld>
+    <p:spTree>
+      <p:nvGrpSpPr>
+        <p:cNvPr id="1" name=""/>
+        <p:cNvGrpSpPr/>
+        <p:nvPr/>
+      </p:nvGrpSpPr>
+      <p:grpSpPr>
+        <a:xfrm>
+          <a:off x="0" y="0"/>
+          <a:ext cx="0" cy="0"/>
+          <a:chOff x="0" y="0"/>
+          <a:chExt cx="0" cy="0"/>
+        </a:xfrm>
+      </p:grpSpPr>
+      <p:sp>
+        <p:nvSpPr>
           <p:cNvPr id="4" name="Title 3">
             <a:extLst>
               <a:ext uri="{FF2B5EF4-FFF2-40B4-BE49-F238E27FC236}">
@@ -5183,39 +6233,427 @@
           <a:bodyPr/>
           <a:lstStyle/>
           <a:p>
-            <a:endParaRPr lang="en-US" dirty="0"/>
-          </a:p>
-        </p:txBody>
-      </p:sp>
-      <p:sp>
-        <p:nvSpPr>
-          <p:cNvPr id="5" name="Content Placeholder 4">
-            <a:extLst>
-              <a:ext uri="{FF2B5EF4-FFF2-40B4-BE49-F238E27FC236}">
-                <a16:creationId xmlns:a16="http://schemas.microsoft.com/office/drawing/2014/main" id="{29FB0ECC-5046-41D6-9640-B9AC32DE23C8}"/>
-              </a:ext>
-            </a:extLst>
-          </p:cNvPr>
-          <p:cNvSpPr>
-            <a:spLocks noGrp="1"/>
-          </p:cNvSpPr>
+            <a:pPr algn="ctr"/>
+            <a:r>
+              <a:rPr lang="en-US" dirty="0"/>
+              <a:t>Describing the business logic</a:t>
+            </a:r>
+          </a:p>
+        </p:txBody>
+      </p:sp>
+      <p:pic>
+        <p:nvPicPr>
+          <p:cNvPr id="6" name="Content Placeholder 5">
+            <a:extLst>
+              <a:ext uri="{FF2B5EF4-FFF2-40B4-BE49-F238E27FC236}">
+                <a16:creationId xmlns:a16="http://schemas.microsoft.com/office/drawing/2014/main" id="{D0046241-2F3B-4498-A8C3-E055AB1555A6}"/>
+              </a:ext>
+            </a:extLst>
+          </p:cNvPr>
+          <p:cNvPicPr>
+            <a:picLocks noGrp="1" noChangeAspect="1"/>
+          </p:cNvPicPr>
           <p:nvPr>
             <p:ph idx="1"/>
           </p:nvPr>
-        </p:nvSpPr>
-        <p:spPr/>
-        <p:txBody>
-          <a:bodyPr/>
-          <a:lstStyle/>
-          <a:p>
-            <a:endParaRPr lang="en-US" dirty="0"/>
-          </a:p>
-        </p:txBody>
-      </p:sp>
+        </p:nvPicPr>
+        <p:blipFill>
+          <a:blip r:embed="rId3"/>
+          <a:stretch>
+            <a:fillRect/>
+          </a:stretch>
+        </p:blipFill>
+        <p:spPr>
+          <a:xfrm>
+            <a:off x="838200" y="2029051"/>
+            <a:ext cx="10515600" cy="3944486"/>
+          </a:xfrm>
+          <a:prstGeom prst="rect">
+            <a:avLst/>
+          </a:prstGeom>
+        </p:spPr>
+      </p:pic>
     </p:spTree>
     <p:extLst>
       <p:ext uri="{BB962C8B-B14F-4D97-AF65-F5344CB8AC3E}">
         <p14:creationId xmlns:p14="http://schemas.microsoft.com/office/powerpoint/2010/main" val="3136213742"/>
+      </p:ext>
+    </p:extLst>
+  </p:cSld>
+  <p:clrMapOvr>
+    <a:masterClrMapping/>
+  </p:clrMapOvr>
+</p:sld>
+</file>
+
+<file path=ppt/slides/slide6.xml><?xml version="1.0" encoding="utf-8"?>
+<p:sld xmlns:a="http://schemas.openxmlformats.org/drawingml/2006/main" xmlns:r="http://schemas.openxmlformats.org/officeDocument/2006/relationships" xmlns:p="http://schemas.openxmlformats.org/presentationml/2006/main">
+  <p:cSld>
+    <p:spTree>
+      <p:nvGrpSpPr>
+        <p:cNvPr id="1" name=""/>
+        <p:cNvGrpSpPr/>
+        <p:nvPr/>
+      </p:nvGrpSpPr>
+      <p:grpSpPr>
+        <a:xfrm>
+          <a:off x="0" y="0"/>
+          <a:ext cx="0" cy="0"/>
+          <a:chOff x="0" y="0"/>
+          <a:chExt cx="0" cy="0"/>
+        </a:xfrm>
+      </p:grpSpPr>
+      <p:sp>
+        <p:nvSpPr>
+          <p:cNvPr id="2" name="Title 1">
+            <a:extLst>
+              <a:ext uri="{FF2B5EF4-FFF2-40B4-BE49-F238E27FC236}">
+                <a16:creationId xmlns:a16="http://schemas.microsoft.com/office/drawing/2014/main" id="{0251735E-4D61-4677-9EB2-3A1B6F3047DC}"/>
+              </a:ext>
+            </a:extLst>
+          </p:cNvPr>
+          <p:cNvSpPr>
+            <a:spLocks noGrp="1"/>
+          </p:cNvSpPr>
+          <p:nvPr>
+            <p:ph type="title"/>
+          </p:nvPr>
+        </p:nvSpPr>
+        <p:spPr/>
+        <p:txBody>
+          <a:bodyPr/>
+          <a:lstStyle/>
+          <a:p>
+            <a:pPr algn="ctr"/>
+            <a:r>
+              <a:rPr lang="en-US" dirty="0"/>
+              <a:t>Describing business logic</a:t>
+            </a:r>
+          </a:p>
+        </p:txBody>
+      </p:sp>
+      <p:pic>
+        <p:nvPicPr>
+          <p:cNvPr id="4" name="Content Placeholder 3">
+            <a:extLst>
+              <a:ext uri="{FF2B5EF4-FFF2-40B4-BE49-F238E27FC236}">
+                <a16:creationId xmlns:a16="http://schemas.microsoft.com/office/drawing/2014/main" id="{2DA73A47-C8D5-4D68-9EB6-5466DDF5090A}"/>
+              </a:ext>
+            </a:extLst>
+          </p:cNvPr>
+          <p:cNvPicPr>
+            <a:picLocks noGrp="1" noChangeAspect="1"/>
+          </p:cNvPicPr>
+          <p:nvPr>
+            <p:ph idx="1"/>
+          </p:nvPr>
+        </p:nvPicPr>
+        <p:blipFill>
+          <a:blip r:embed="rId3"/>
+          <a:stretch>
+            <a:fillRect/>
+          </a:stretch>
+        </p:blipFill>
+        <p:spPr>
+          <a:xfrm>
+            <a:off x="838200" y="2448732"/>
+            <a:ext cx="10640878" cy="2805193"/>
+          </a:xfrm>
+          <a:prstGeom prst="rect">
+            <a:avLst/>
+          </a:prstGeom>
+        </p:spPr>
+      </p:pic>
+    </p:spTree>
+    <p:extLst>
+      <p:ext uri="{BB962C8B-B14F-4D97-AF65-F5344CB8AC3E}">
+        <p14:creationId xmlns:p14="http://schemas.microsoft.com/office/powerpoint/2010/main" val="791993355"/>
+      </p:ext>
+    </p:extLst>
+  </p:cSld>
+  <p:clrMapOvr>
+    <a:masterClrMapping/>
+  </p:clrMapOvr>
+</p:sld>
+</file>
+
+<file path=ppt/slides/slide7.xml><?xml version="1.0" encoding="utf-8"?>
+<p:sld xmlns:a="http://schemas.openxmlformats.org/drawingml/2006/main" xmlns:r="http://schemas.openxmlformats.org/officeDocument/2006/relationships" xmlns:p="http://schemas.openxmlformats.org/presentationml/2006/main">
+  <p:cSld>
+    <p:spTree>
+      <p:nvGrpSpPr>
+        <p:cNvPr id="1" name=""/>
+        <p:cNvGrpSpPr/>
+        <p:nvPr/>
+      </p:nvGrpSpPr>
+      <p:grpSpPr>
+        <a:xfrm>
+          <a:off x="0" y="0"/>
+          <a:ext cx="0" cy="0"/>
+          <a:chOff x="0" y="0"/>
+          <a:chExt cx="0" cy="0"/>
+        </a:xfrm>
+      </p:grpSpPr>
+      <p:sp>
+        <p:nvSpPr>
+          <p:cNvPr id="2" name="Title 1">
+            <a:extLst>
+              <a:ext uri="{FF2B5EF4-FFF2-40B4-BE49-F238E27FC236}">
+                <a16:creationId xmlns:a16="http://schemas.microsoft.com/office/drawing/2014/main" id="{49B32290-33E5-4F5A-A169-2F883908ED44}"/>
+              </a:ext>
+            </a:extLst>
+          </p:cNvPr>
+          <p:cNvSpPr>
+            <a:spLocks noGrp="1"/>
+          </p:cNvSpPr>
+          <p:nvPr>
+            <p:ph type="title"/>
+          </p:nvPr>
+        </p:nvSpPr>
+        <p:spPr/>
+        <p:txBody>
+          <a:bodyPr/>
+          <a:lstStyle/>
+          <a:p>
+            <a:pPr algn="ctr"/>
+            <a:r>
+              <a:rPr lang="en-US" dirty="0"/>
+              <a:t>Adapter layer</a:t>
+            </a:r>
+          </a:p>
+        </p:txBody>
+      </p:sp>
+      <p:sp>
+        <p:nvSpPr>
+          <p:cNvPr id="3" name="Content Placeholder 2">
+            <a:extLst>
+              <a:ext uri="{FF2B5EF4-FFF2-40B4-BE49-F238E27FC236}">
+                <a16:creationId xmlns:a16="http://schemas.microsoft.com/office/drawing/2014/main" id="{CAEFE745-030E-4640-9C37-073D123E8DBF}"/>
+              </a:ext>
+            </a:extLst>
+          </p:cNvPr>
+          <p:cNvSpPr>
+            <a:spLocks noGrp="1"/>
+          </p:cNvSpPr>
+          <p:nvPr>
+            <p:ph idx="1"/>
+          </p:nvPr>
+        </p:nvSpPr>
+        <p:spPr/>
+        <p:txBody>
+          <a:bodyPr/>
+          <a:lstStyle/>
+          <a:p>
+            <a:r>
+              <a:rPr lang="en-US" dirty="0"/>
+              <a:t>Transforms ALIQ operations to corresponding optimal data requests to different data providers/backends. </a:t>
+            </a:r>
+          </a:p>
+          <a:p>
+            <a:r>
+              <a:rPr lang="en-US" dirty="0"/>
+              <a:t>Adapter layers can service more than one type of data providers/backends if they in turn expose data via a common interface</a:t>
+            </a:r>
+          </a:p>
+          <a:p>
+            <a:pPr marL="0" indent="0">
+              <a:buNone/>
+            </a:pPr>
+            <a:endParaRPr lang="en-US" dirty="0"/>
+          </a:p>
+          <a:p>
+            <a:endParaRPr lang="en-US" dirty="0"/>
+          </a:p>
+        </p:txBody>
+      </p:sp>
+    </p:spTree>
+    <p:extLst>
+      <p:ext uri="{BB962C8B-B14F-4D97-AF65-F5344CB8AC3E}">
+        <p14:creationId xmlns:p14="http://schemas.microsoft.com/office/powerpoint/2010/main" val="1806715098"/>
+      </p:ext>
+    </p:extLst>
+  </p:cSld>
+  <p:clrMapOvr>
+    <a:masterClrMapping/>
+  </p:clrMapOvr>
+</p:sld>
+</file>
+
+<file path=ppt/slides/slide8.xml><?xml version="1.0" encoding="utf-8"?>
+<p:sld xmlns:a="http://schemas.openxmlformats.org/drawingml/2006/main" xmlns:r="http://schemas.openxmlformats.org/officeDocument/2006/relationships" xmlns:p="http://schemas.openxmlformats.org/presentationml/2006/main">
+  <p:cSld>
+    <p:spTree>
+      <p:nvGrpSpPr>
+        <p:cNvPr id="1" name=""/>
+        <p:cNvGrpSpPr/>
+        <p:nvPr/>
+      </p:nvGrpSpPr>
+      <p:grpSpPr>
+        <a:xfrm>
+          <a:off x="0" y="0"/>
+          <a:ext cx="0" cy="0"/>
+          <a:chOff x="0" y="0"/>
+          <a:chExt cx="0" cy="0"/>
+        </a:xfrm>
+      </p:grpSpPr>
+      <p:sp>
+        <p:nvSpPr>
+          <p:cNvPr id="2" name="Title 1">
+            <a:extLst>
+              <a:ext uri="{FF2B5EF4-FFF2-40B4-BE49-F238E27FC236}">
+                <a16:creationId xmlns:a16="http://schemas.microsoft.com/office/drawing/2014/main" id="{B6713817-1D4E-40F3-9DBD-60F5E13F09A2}"/>
+              </a:ext>
+            </a:extLst>
+          </p:cNvPr>
+          <p:cNvSpPr>
+            <a:spLocks noGrp="1"/>
+          </p:cNvSpPr>
+          <p:nvPr>
+            <p:ph type="title"/>
+          </p:nvPr>
+        </p:nvSpPr>
+        <p:spPr/>
+        <p:txBody>
+          <a:bodyPr/>
+          <a:lstStyle/>
+          <a:p>
+            <a:pPr algn="ctr"/>
+            <a:r>
+              <a:rPr lang="en-US" dirty="0"/>
+              <a:t>Set up adapter layer </a:t>
+            </a:r>
+          </a:p>
+        </p:txBody>
+      </p:sp>
+      <p:pic>
+        <p:nvPicPr>
+          <p:cNvPr id="7" name="Content Placeholder 6">
+            <a:extLst>
+              <a:ext uri="{FF2B5EF4-FFF2-40B4-BE49-F238E27FC236}">
+                <a16:creationId xmlns:a16="http://schemas.microsoft.com/office/drawing/2014/main" id="{49A60538-D990-412C-B5CD-35DD58D03854}"/>
+              </a:ext>
+            </a:extLst>
+          </p:cNvPr>
+          <p:cNvPicPr>
+            <a:picLocks noGrp="1" noChangeAspect="1"/>
+          </p:cNvPicPr>
+          <p:nvPr>
+            <p:ph idx="1"/>
+          </p:nvPr>
+        </p:nvPicPr>
+        <p:blipFill>
+          <a:blip r:embed="rId3"/>
+          <a:stretch>
+            <a:fillRect/>
+          </a:stretch>
+        </p:blipFill>
+        <p:spPr>
+          <a:xfrm>
+            <a:off x="838200" y="2789695"/>
+            <a:ext cx="10678332" cy="1184069"/>
+          </a:xfrm>
+          <a:prstGeom prst="rect">
+            <a:avLst/>
+          </a:prstGeom>
+        </p:spPr>
+      </p:pic>
+    </p:spTree>
+    <p:extLst>
+      <p:ext uri="{BB962C8B-B14F-4D97-AF65-F5344CB8AC3E}">
+        <p14:creationId xmlns:p14="http://schemas.microsoft.com/office/powerpoint/2010/main" val="3158073480"/>
+      </p:ext>
+    </p:extLst>
+  </p:cSld>
+  <p:clrMapOvr>
+    <a:masterClrMapping/>
+  </p:clrMapOvr>
+</p:sld>
+</file>
+
+<file path=ppt/slides/slide9.xml><?xml version="1.0" encoding="utf-8"?>
+<p:sld xmlns:a="http://schemas.openxmlformats.org/drawingml/2006/main" xmlns:r="http://schemas.openxmlformats.org/officeDocument/2006/relationships" xmlns:p="http://schemas.openxmlformats.org/presentationml/2006/main">
+  <p:cSld>
+    <p:spTree>
+      <p:nvGrpSpPr>
+        <p:cNvPr id="1" name=""/>
+        <p:cNvGrpSpPr/>
+        <p:nvPr/>
+      </p:nvGrpSpPr>
+      <p:grpSpPr>
+        <a:xfrm>
+          <a:off x="0" y="0"/>
+          <a:ext cx="0" cy="0"/>
+          <a:chOff x="0" y="0"/>
+          <a:chExt cx="0" cy="0"/>
+        </a:xfrm>
+      </p:grpSpPr>
+      <p:sp>
+        <p:nvSpPr>
+          <p:cNvPr id="2" name="Title 1">
+            <a:extLst>
+              <a:ext uri="{FF2B5EF4-FFF2-40B4-BE49-F238E27FC236}">
+                <a16:creationId xmlns:a16="http://schemas.microsoft.com/office/drawing/2014/main" id="{CE59868A-948E-4FD0-AD98-132A9E41AE5B}"/>
+              </a:ext>
+            </a:extLst>
+          </p:cNvPr>
+          <p:cNvSpPr>
+            <a:spLocks noGrp="1"/>
+          </p:cNvSpPr>
+          <p:nvPr>
+            <p:ph type="title"/>
+          </p:nvPr>
+        </p:nvSpPr>
+        <p:spPr/>
+        <p:txBody>
+          <a:bodyPr/>
+          <a:lstStyle/>
+          <a:p>
+            <a:pPr algn="ctr"/>
+            <a:r>
+              <a:rPr lang="en-US" dirty="0"/>
+              <a:t>Data Binding </a:t>
+            </a:r>
+          </a:p>
+        </p:txBody>
+      </p:sp>
+      <p:sp>
+        <p:nvSpPr>
+          <p:cNvPr id="3" name="Content Placeholder 2">
+            <a:extLst>
+              <a:ext uri="{FF2B5EF4-FFF2-40B4-BE49-F238E27FC236}">
+                <a16:creationId xmlns:a16="http://schemas.microsoft.com/office/drawing/2014/main" id="{C9C5C534-79D9-417E-9BFB-8DC92734E795}"/>
+              </a:ext>
+            </a:extLst>
+          </p:cNvPr>
+          <p:cNvSpPr>
+            <a:spLocks noGrp="1"/>
+          </p:cNvSpPr>
+          <p:nvPr>
+            <p:ph idx="1"/>
+          </p:nvPr>
+        </p:nvSpPr>
+        <p:spPr/>
+        <p:txBody>
+          <a:bodyPr/>
+          <a:lstStyle/>
+          <a:p>
+            <a:r>
+              <a:rPr lang="en-US" dirty="0"/>
+              <a:t>Finally, specify the data provider/backend</a:t>
+            </a:r>
+          </a:p>
+          <a:p>
+            <a:r>
+              <a:rPr lang="en-US" dirty="0"/>
+              <a:t>We can specify multiple sources of different kinds as long as the adapter can work with it</a:t>
+            </a:r>
+          </a:p>
+        </p:txBody>
+      </p:sp>
+    </p:spTree>
+    <p:extLst>
+      <p:ext uri="{BB962C8B-B14F-4D97-AF65-F5344CB8AC3E}">
+        <p14:creationId xmlns:p14="http://schemas.microsoft.com/office/powerpoint/2010/main" val="4220617461"/>
       </p:ext>
     </p:extLst>
   </p:cSld>

--- a/aliq.pptx
+++ b/aliq.pptx
@@ -4815,7 +4815,7 @@
             <a:pPr algn="ctr"/>
             <a:r>
               <a:rPr lang="en-US" dirty="0"/>
-              <a:t>Binding data</a:t>
+              <a:t>3. Binding data</a:t>
             </a:r>
           </a:p>
         </p:txBody>
@@ -4906,7 +4906,7 @@
             <a:pPr algn="ctr"/>
             <a:r>
               <a:rPr lang="en-US" dirty="0"/>
-              <a:t>Execute!</a:t>
+              <a:t>4. Execute!</a:t>
             </a:r>
           </a:p>
         </p:txBody>
@@ -4996,7 +4996,7 @@
             <a:pPr algn="ctr"/>
             <a:r>
               <a:rPr lang="en-US" dirty="0"/>
-              <a:t>Execute!</a:t>
+              <a:t>4. Execute!</a:t>
             </a:r>
           </a:p>
         </p:txBody>
@@ -6137,7 +6137,7 @@
             <a:pPr algn="ctr"/>
             <a:r>
               <a:rPr lang="en-US" dirty="0"/>
-              <a:t>Describing the business logic</a:t>
+              <a:t>1. Describing the business logic</a:t>
             </a:r>
           </a:p>
         </p:txBody>
@@ -6236,7 +6236,7 @@
             <a:pPr algn="ctr"/>
             <a:r>
               <a:rPr lang="en-US" dirty="0"/>
-              <a:t>Describing the business logic</a:t>
+              <a:t>1. Describing the business logic</a:t>
             </a:r>
           </a:p>
         </p:txBody>
@@ -6327,7 +6327,7 @@
             <a:pPr algn="ctr"/>
             <a:r>
               <a:rPr lang="en-US" dirty="0"/>
-              <a:t>Describing business logic</a:t>
+              <a:t>1. Describing business logic</a:t>
             </a:r>
           </a:p>
         </p:txBody>
@@ -6418,7 +6418,7 @@
             <a:pPr algn="ctr"/>
             <a:r>
               <a:rPr lang="en-US" dirty="0"/>
-              <a:t>Adapter layer</a:t>
+              <a:t>2. Adapter layer</a:t>
             </a:r>
           </a:p>
         </p:txBody>
@@ -6520,7 +6520,7 @@
             <a:pPr algn="ctr"/>
             <a:r>
               <a:rPr lang="en-US" dirty="0"/>
-              <a:t>Set up adapter layer </a:t>
+              <a:t>2. Set up adapter layer </a:t>
             </a:r>
           </a:p>
         </p:txBody>
@@ -6611,7 +6611,7 @@
             <a:pPr algn="ctr"/>
             <a:r>
               <a:rPr lang="en-US" dirty="0"/>
-              <a:t>Data Binding </a:t>
+              <a:t>3. Data Binding </a:t>
             </a:r>
           </a:p>
         </p:txBody>

--- a/aliq.pptx
+++ b/aliq.pptx
@@ -212,7 +212,7 @@
           <a:p>
             <a:fld id="{C3E18A57-B0D4-4219-BE9B-FF70EBE0E805}" type="datetimeFigureOut">
               <a:rPr lang="en-US" smtClean="0"/>
-              <a:t>7/26/2017</a:t>
+              <a:t>7/27/2017</a:t>
             </a:fld>
             <a:endParaRPr lang="en-US"/>
           </a:p>
@@ -1634,7 +1634,7 @@
           <a:p>
             <a:fld id="{13E577E2-7D24-40A8-95D9-BB51568790E9}" type="datetimeFigureOut">
               <a:rPr lang="en-US" smtClean="0"/>
-              <a:t>7/26/2017</a:t>
+              <a:t>7/27/2017</a:t>
             </a:fld>
             <a:endParaRPr lang="en-US"/>
           </a:p>
@@ -1832,7 +1832,7 @@
           <a:p>
             <a:fld id="{13E577E2-7D24-40A8-95D9-BB51568790E9}" type="datetimeFigureOut">
               <a:rPr lang="en-US" smtClean="0"/>
-              <a:t>7/26/2017</a:t>
+              <a:t>7/27/2017</a:t>
             </a:fld>
             <a:endParaRPr lang="en-US"/>
           </a:p>
@@ -2040,7 +2040,7 @@
           <a:p>
             <a:fld id="{13E577E2-7D24-40A8-95D9-BB51568790E9}" type="datetimeFigureOut">
               <a:rPr lang="en-US" smtClean="0"/>
-              <a:t>7/26/2017</a:t>
+              <a:t>7/27/2017</a:t>
             </a:fld>
             <a:endParaRPr lang="en-US"/>
           </a:p>
@@ -2238,7 +2238,7 @@
           <a:p>
             <a:fld id="{13E577E2-7D24-40A8-95D9-BB51568790E9}" type="datetimeFigureOut">
               <a:rPr lang="en-US" smtClean="0"/>
-              <a:t>7/26/2017</a:t>
+              <a:t>7/27/2017</a:t>
             </a:fld>
             <a:endParaRPr lang="en-US"/>
           </a:p>
@@ -2513,7 +2513,7 @@
           <a:p>
             <a:fld id="{13E577E2-7D24-40A8-95D9-BB51568790E9}" type="datetimeFigureOut">
               <a:rPr lang="en-US" smtClean="0"/>
-              <a:t>7/26/2017</a:t>
+              <a:t>7/27/2017</a:t>
             </a:fld>
             <a:endParaRPr lang="en-US"/>
           </a:p>
@@ -2778,7 +2778,7 @@
           <a:p>
             <a:fld id="{13E577E2-7D24-40A8-95D9-BB51568790E9}" type="datetimeFigureOut">
               <a:rPr lang="en-US" smtClean="0"/>
-              <a:t>7/26/2017</a:t>
+              <a:t>7/27/2017</a:t>
             </a:fld>
             <a:endParaRPr lang="en-US"/>
           </a:p>
@@ -3190,7 +3190,7 @@
           <a:p>
             <a:fld id="{13E577E2-7D24-40A8-95D9-BB51568790E9}" type="datetimeFigureOut">
               <a:rPr lang="en-US" smtClean="0"/>
-              <a:t>7/26/2017</a:t>
+              <a:t>7/27/2017</a:t>
             </a:fld>
             <a:endParaRPr lang="en-US"/>
           </a:p>
@@ -3331,7 +3331,7 @@
           <a:p>
             <a:fld id="{13E577E2-7D24-40A8-95D9-BB51568790E9}" type="datetimeFigureOut">
               <a:rPr lang="en-US" smtClean="0"/>
-              <a:t>7/26/2017</a:t>
+              <a:t>7/27/2017</a:t>
             </a:fld>
             <a:endParaRPr lang="en-US"/>
           </a:p>
@@ -3444,7 +3444,7 @@
           <a:p>
             <a:fld id="{13E577E2-7D24-40A8-95D9-BB51568790E9}" type="datetimeFigureOut">
               <a:rPr lang="en-US" smtClean="0"/>
-              <a:t>7/26/2017</a:t>
+              <a:t>7/27/2017</a:t>
             </a:fld>
             <a:endParaRPr lang="en-US"/>
           </a:p>
@@ -3755,7 +3755,7 @@
           <a:p>
             <a:fld id="{13E577E2-7D24-40A8-95D9-BB51568790E9}" type="datetimeFigureOut">
               <a:rPr lang="en-US" smtClean="0"/>
-              <a:t>7/26/2017</a:t>
+              <a:t>7/27/2017</a:t>
             </a:fld>
             <a:endParaRPr lang="en-US"/>
           </a:p>
@@ -4043,7 +4043,7 @@
           <a:p>
             <a:fld id="{13E577E2-7D24-40A8-95D9-BB51568790E9}" type="datetimeFigureOut">
               <a:rPr lang="en-US" smtClean="0"/>
-              <a:t>7/26/2017</a:t>
+              <a:t>7/27/2017</a:t>
             </a:fld>
             <a:endParaRPr lang="en-US"/>
           </a:p>
@@ -4284,7 +4284,7 @@
           <a:p>
             <a:fld id="{13E577E2-7D24-40A8-95D9-BB51568790E9}" type="datetimeFigureOut">
               <a:rPr lang="en-US" smtClean="0"/>
-              <a:t>7/26/2017</a:t>
+              <a:t>7/27/2017</a:t>
             </a:fld>
             <a:endParaRPr lang="en-US"/>
           </a:p>
@@ -4719,11 +4719,13 @@
         </p:nvSpPr>
         <p:spPr/>
         <p:txBody>
-          <a:bodyPr/>
-          <a:lstStyle/>
-          <a:p>
-            <a:r>
-              <a:rPr lang="en-US" dirty="0"/>
+          <a:bodyPr>
+            <a:normAutofit/>
+          </a:bodyPr>
+          <a:lstStyle/>
+          <a:p>
+            <a:r>
+              <a:rPr lang="en-US" sz="9600" b="1" dirty="0"/>
               <a:t>ALIQ</a:t>
             </a:r>
           </a:p>
@@ -4747,15 +4749,17 @@
         </p:nvSpPr>
         <p:spPr/>
         <p:txBody>
-          <a:bodyPr/>
-          <a:lstStyle/>
-          <a:p>
-            <a:r>
-              <a:rPr lang="en-US" b="1" dirty="0"/>
+          <a:bodyPr>
+            <a:normAutofit/>
+          </a:bodyPr>
+          <a:lstStyle/>
+          <a:p>
+            <a:r>
+              <a:rPr lang="en-US" sz="4000" b="1" dirty="0"/>
               <a:t>Abstract</a:t>
             </a:r>
             <a:r>
-              <a:rPr lang="en-US" dirty="0"/>
+              <a:rPr lang="en-US" sz="4000" dirty="0"/>
               <a:t> Language Integrated Query</a:t>
             </a:r>
           </a:p>
@@ -4771,6 +4775,14 @@
   <p:clrMapOvr>
     <a:masterClrMapping/>
   </p:clrMapOvr>
+  <mc:AlternateContent xmlns:mc="http://schemas.openxmlformats.org/markup-compatibility/2006">
+    <mc:Choice xmlns:p14="http://schemas.microsoft.com/office/powerpoint/2010/main" Requires="p14">
+      <p:transition spd="slow" p14:dur="2000" advTm="2232"/>
+    </mc:Choice>
+    <mc:Fallback>
+      <p:transition spd="slow" advTm="2232"/>
+    </mc:Fallback>
+  </mc:AlternateContent>
 </p:sld>
 </file>
 
@@ -4862,6 +4874,14 @@
   <p:clrMapOvr>
     <a:masterClrMapping/>
   </p:clrMapOvr>
+  <mc:AlternateContent xmlns:mc="http://schemas.openxmlformats.org/markup-compatibility/2006">
+    <mc:Choice xmlns:p14="http://schemas.microsoft.com/office/powerpoint/2010/main" Requires="p14">
+      <p:transition spd="slow" p14:dur="2000" advTm="29487"/>
+    </mc:Choice>
+    <mc:Fallback>
+      <p:transition spd="slow" advTm="29487"/>
+    </mc:Fallback>
+  </mc:AlternateContent>
 </p:sld>
 </file>
 
@@ -4952,6 +4972,14 @@
   <p:clrMapOvr>
     <a:masterClrMapping/>
   </p:clrMapOvr>
+  <mc:AlternateContent xmlns:mc="http://schemas.openxmlformats.org/markup-compatibility/2006">
+    <mc:Choice xmlns:p14="http://schemas.microsoft.com/office/powerpoint/2010/main" Requires="p14">
+      <p:transition spd="slow" p14:dur="2000" advTm="33720"/>
+    </mc:Choice>
+    <mc:Fallback>
+      <p:transition spd="slow" advTm="33720"/>
+    </mc:Fallback>
+  </mc:AlternateContent>
 </p:sld>
 </file>
 
@@ -5043,6 +5071,14 @@
   <p:clrMapOvr>
     <a:masterClrMapping/>
   </p:clrMapOvr>
+  <mc:AlternateContent xmlns:mc="http://schemas.openxmlformats.org/markup-compatibility/2006">
+    <mc:Choice xmlns:p14="http://schemas.microsoft.com/office/powerpoint/2010/main" Requires="p14">
+      <p:transition spd="slow" p14:dur="2000" advTm="31463"/>
+    </mc:Choice>
+    <mc:Fallback>
+      <p:transition spd="slow" advTm="31463"/>
+    </mc:Fallback>
+  </mc:AlternateContent>
 </p:sld>
 </file>
 
@@ -5759,6 +5795,14 @@
   <p:clrMapOvr>
     <a:masterClrMapping/>
   </p:clrMapOvr>
+  <mc:AlternateContent xmlns:mc="http://schemas.openxmlformats.org/markup-compatibility/2006">
+    <mc:Choice xmlns:p14="http://schemas.microsoft.com/office/powerpoint/2010/main" Requires="p14">
+      <p:transition spd="slow" p14:dur="2000" advTm="31345"/>
+    </mc:Choice>
+    <mc:Fallback>
+      <p:transition spd="slow" advTm="31345"/>
+    </mc:Fallback>
+  </mc:AlternateContent>
 </p:sld>
 </file>
 
@@ -6093,6 +6137,14 @@
   <p:clrMapOvr>
     <a:masterClrMapping/>
   </p:clrMapOvr>
+  <mc:AlternateContent xmlns:mc="http://schemas.openxmlformats.org/markup-compatibility/2006">
+    <mc:Choice xmlns:p14="http://schemas.microsoft.com/office/powerpoint/2010/main" Requires="p14">
+      <p:transition spd="slow" p14:dur="2000" advTm="61198"/>
+    </mc:Choice>
+    <mc:Fallback>
+      <p:transition spd="slow" advTm="61198"/>
+    </mc:Fallback>
+  </mc:AlternateContent>
 </p:sld>
 </file>
 
@@ -6192,6 +6244,14 @@
   <p:clrMapOvr>
     <a:masterClrMapping/>
   </p:clrMapOvr>
+  <mc:AlternateContent xmlns:mc="http://schemas.openxmlformats.org/markup-compatibility/2006">
+    <mc:Choice xmlns:p14="http://schemas.microsoft.com/office/powerpoint/2010/main" Requires="p14">
+      <p:transition spd="slow" p14:dur="2000" advTm="31126"/>
+    </mc:Choice>
+    <mc:Fallback>
+      <p:transition spd="slow" advTm="31126"/>
+    </mc:Fallback>
+  </mc:AlternateContent>
 </p:sld>
 </file>
 
@@ -6283,6 +6343,14 @@
   <p:clrMapOvr>
     <a:masterClrMapping/>
   </p:clrMapOvr>
+  <mc:AlternateContent xmlns:mc="http://schemas.openxmlformats.org/markup-compatibility/2006">
+    <mc:Choice xmlns:p14="http://schemas.microsoft.com/office/powerpoint/2010/main" Requires="p14">
+      <p:transition spd="slow" p14:dur="2000" advTm="30661"/>
+    </mc:Choice>
+    <mc:Fallback>
+      <p:transition spd="slow" advTm="30661"/>
+    </mc:Fallback>
+  </mc:AlternateContent>
 </p:sld>
 </file>
 
@@ -6374,6 +6442,14 @@
   <p:clrMapOvr>
     <a:masterClrMapping/>
   </p:clrMapOvr>
+  <mc:AlternateContent xmlns:mc="http://schemas.openxmlformats.org/markup-compatibility/2006">
+    <mc:Choice xmlns:p14="http://schemas.microsoft.com/office/powerpoint/2010/main" Requires="p14">
+      <p:transition spd="slow" p14:dur="2000" advTm="30943"/>
+    </mc:Choice>
+    <mc:Fallback>
+      <p:transition spd="slow" advTm="30943"/>
+    </mc:Fallback>
+  </mc:AlternateContent>
 </p:sld>
 </file>
 
@@ -6476,6 +6552,14 @@
   <p:clrMapOvr>
     <a:masterClrMapping/>
   </p:clrMapOvr>
+  <mc:AlternateContent xmlns:mc="http://schemas.openxmlformats.org/markup-compatibility/2006">
+    <mc:Choice xmlns:p14="http://schemas.microsoft.com/office/powerpoint/2010/main" Requires="p14">
+      <p:transition spd="slow" p14:dur="2000" advTm="30989"/>
+    </mc:Choice>
+    <mc:Fallback>
+      <p:transition spd="slow" advTm="30989"/>
+    </mc:Fallback>
+  </mc:AlternateContent>
 </p:sld>
 </file>
 
@@ -6567,6 +6651,14 @@
   <p:clrMapOvr>
     <a:masterClrMapping/>
   </p:clrMapOvr>
+  <mc:AlternateContent xmlns:mc="http://schemas.openxmlformats.org/markup-compatibility/2006">
+    <mc:Choice xmlns:p14="http://schemas.microsoft.com/office/powerpoint/2010/main" Requires="p14">
+      <p:transition spd="slow" p14:dur="2000" advTm="26264"/>
+    </mc:Choice>
+    <mc:Fallback>
+      <p:transition spd="slow" advTm="26264"/>
+    </mc:Fallback>
+  </mc:AlternateContent>
 </p:sld>
 </file>
 
@@ -6660,6 +6752,14 @@
   <p:clrMapOvr>
     <a:masterClrMapping/>
   </p:clrMapOvr>
+  <mc:AlternateContent xmlns:mc="http://schemas.openxmlformats.org/markup-compatibility/2006">
+    <mc:Choice xmlns:p14="http://schemas.microsoft.com/office/powerpoint/2010/main" Requires="p14">
+      <p:transition spd="slow" p14:dur="2000" advTm="27078"/>
+    </mc:Choice>
+    <mc:Fallback>
+      <p:transition spd="slow" advTm="27078"/>
+    </mc:Fallback>
+  </mc:AlternateContent>
 </p:sld>
 </file>
 

--- a/aliq.pptx
+++ b/aliq.pptx
@@ -212,7 +212,7 @@
           <a:p>
             <a:fld id="{C3E18A57-B0D4-4219-BE9B-FF70EBE0E805}" type="datetimeFigureOut">
               <a:rPr lang="en-US" smtClean="0"/>
-              <a:t>7/26/2017</a:t>
+              <a:t>7/27/2017</a:t>
             </a:fld>
             <a:endParaRPr lang="en-US"/>
           </a:p>
@@ -1634,7 +1634,7 @@
           <a:p>
             <a:fld id="{13E577E2-7D24-40A8-95D9-BB51568790E9}" type="datetimeFigureOut">
               <a:rPr lang="en-US" smtClean="0"/>
-              <a:t>7/26/2017</a:t>
+              <a:t>7/27/2017</a:t>
             </a:fld>
             <a:endParaRPr lang="en-US"/>
           </a:p>
@@ -1832,7 +1832,7 @@
           <a:p>
             <a:fld id="{13E577E2-7D24-40A8-95D9-BB51568790E9}" type="datetimeFigureOut">
               <a:rPr lang="en-US" smtClean="0"/>
-              <a:t>7/26/2017</a:t>
+              <a:t>7/27/2017</a:t>
             </a:fld>
             <a:endParaRPr lang="en-US"/>
           </a:p>
@@ -2040,7 +2040,7 @@
           <a:p>
             <a:fld id="{13E577E2-7D24-40A8-95D9-BB51568790E9}" type="datetimeFigureOut">
               <a:rPr lang="en-US" smtClean="0"/>
-              <a:t>7/26/2017</a:t>
+              <a:t>7/27/2017</a:t>
             </a:fld>
             <a:endParaRPr lang="en-US"/>
           </a:p>
@@ -2238,7 +2238,7 @@
           <a:p>
             <a:fld id="{13E577E2-7D24-40A8-95D9-BB51568790E9}" type="datetimeFigureOut">
               <a:rPr lang="en-US" smtClean="0"/>
-              <a:t>7/26/2017</a:t>
+              <a:t>7/27/2017</a:t>
             </a:fld>
             <a:endParaRPr lang="en-US"/>
           </a:p>
@@ -2513,7 +2513,7 @@
           <a:p>
             <a:fld id="{13E577E2-7D24-40A8-95D9-BB51568790E9}" type="datetimeFigureOut">
               <a:rPr lang="en-US" smtClean="0"/>
-              <a:t>7/26/2017</a:t>
+              <a:t>7/27/2017</a:t>
             </a:fld>
             <a:endParaRPr lang="en-US"/>
           </a:p>
@@ -2778,7 +2778,7 @@
           <a:p>
             <a:fld id="{13E577E2-7D24-40A8-95D9-BB51568790E9}" type="datetimeFigureOut">
               <a:rPr lang="en-US" smtClean="0"/>
-              <a:t>7/26/2017</a:t>
+              <a:t>7/27/2017</a:t>
             </a:fld>
             <a:endParaRPr lang="en-US"/>
           </a:p>
@@ -3190,7 +3190,7 @@
           <a:p>
             <a:fld id="{13E577E2-7D24-40A8-95D9-BB51568790E9}" type="datetimeFigureOut">
               <a:rPr lang="en-US" smtClean="0"/>
-              <a:t>7/26/2017</a:t>
+              <a:t>7/27/2017</a:t>
             </a:fld>
             <a:endParaRPr lang="en-US"/>
           </a:p>
@@ -3331,7 +3331,7 @@
           <a:p>
             <a:fld id="{13E577E2-7D24-40A8-95D9-BB51568790E9}" type="datetimeFigureOut">
               <a:rPr lang="en-US" smtClean="0"/>
-              <a:t>7/26/2017</a:t>
+              <a:t>7/27/2017</a:t>
             </a:fld>
             <a:endParaRPr lang="en-US"/>
           </a:p>
@@ -3444,7 +3444,7 @@
           <a:p>
             <a:fld id="{13E577E2-7D24-40A8-95D9-BB51568790E9}" type="datetimeFigureOut">
               <a:rPr lang="en-US" smtClean="0"/>
-              <a:t>7/26/2017</a:t>
+              <a:t>7/27/2017</a:t>
             </a:fld>
             <a:endParaRPr lang="en-US"/>
           </a:p>
@@ -3755,7 +3755,7 @@
           <a:p>
             <a:fld id="{13E577E2-7D24-40A8-95D9-BB51568790E9}" type="datetimeFigureOut">
               <a:rPr lang="en-US" smtClean="0"/>
-              <a:t>7/26/2017</a:t>
+              <a:t>7/27/2017</a:t>
             </a:fld>
             <a:endParaRPr lang="en-US"/>
           </a:p>
@@ -4043,7 +4043,7 @@
           <a:p>
             <a:fld id="{13E577E2-7D24-40A8-95D9-BB51568790E9}" type="datetimeFigureOut">
               <a:rPr lang="en-US" smtClean="0"/>
-              <a:t>7/26/2017</a:t>
+              <a:t>7/27/2017</a:t>
             </a:fld>
             <a:endParaRPr lang="en-US"/>
           </a:p>
@@ -4284,7 +4284,7 @@
           <a:p>
             <a:fld id="{13E577E2-7D24-40A8-95D9-BB51568790E9}" type="datetimeFigureOut">
               <a:rPr lang="en-US" smtClean="0"/>
-              <a:t>7/26/2017</a:t>
+              <a:t>7/27/2017</a:t>
             </a:fld>
             <a:endParaRPr lang="en-US"/>
           </a:p>
@@ -4719,11 +4719,13 @@
         </p:nvSpPr>
         <p:spPr/>
         <p:txBody>
-          <a:bodyPr/>
-          <a:lstStyle/>
-          <a:p>
-            <a:r>
-              <a:rPr lang="en-US" dirty="0"/>
+          <a:bodyPr>
+            <a:normAutofit/>
+          </a:bodyPr>
+          <a:lstStyle/>
+          <a:p>
+            <a:r>
+              <a:rPr lang="en-US" sz="9600" b="1" dirty="0"/>
               <a:t>ALIQ</a:t>
             </a:r>
           </a:p>
@@ -4747,15 +4749,17 @@
         </p:nvSpPr>
         <p:spPr/>
         <p:txBody>
-          <a:bodyPr/>
-          <a:lstStyle/>
-          <a:p>
-            <a:r>
-              <a:rPr lang="en-US" b="1" dirty="0"/>
+          <a:bodyPr>
+            <a:normAutofit/>
+          </a:bodyPr>
+          <a:lstStyle/>
+          <a:p>
+            <a:r>
+              <a:rPr lang="en-US" sz="4000" b="1" dirty="0"/>
               <a:t>Abstract</a:t>
             </a:r>
             <a:r>
-              <a:rPr lang="en-US" dirty="0"/>
+              <a:rPr lang="en-US" sz="4000" dirty="0"/>
               <a:t> Language Integrated Query</a:t>
             </a:r>
           </a:p>
@@ -4771,6 +4775,14 @@
   <p:clrMapOvr>
     <a:masterClrMapping/>
   </p:clrMapOvr>
+  <mc:AlternateContent xmlns:mc="http://schemas.openxmlformats.org/markup-compatibility/2006">
+    <mc:Choice xmlns:p14="http://schemas.microsoft.com/office/powerpoint/2010/main" Requires="p14">
+      <p:transition spd="slow" p14:dur="2000" advTm="2232"/>
+    </mc:Choice>
+    <mc:Fallback>
+      <p:transition spd="slow" advTm="2232"/>
+    </mc:Fallback>
+  </mc:AlternateContent>
 </p:sld>
 </file>
 
@@ -4815,7 +4827,7 @@
             <a:pPr algn="ctr"/>
             <a:r>
               <a:rPr lang="en-US" dirty="0"/>
-              <a:t>Binding data</a:t>
+              <a:t>3. Binding data</a:t>
             </a:r>
           </a:p>
         </p:txBody>
@@ -4862,6 +4874,14 @@
   <p:clrMapOvr>
     <a:masterClrMapping/>
   </p:clrMapOvr>
+  <mc:AlternateContent xmlns:mc="http://schemas.openxmlformats.org/markup-compatibility/2006">
+    <mc:Choice xmlns:p14="http://schemas.microsoft.com/office/powerpoint/2010/main" Requires="p14">
+      <p:transition spd="slow" p14:dur="2000" advTm="29487"/>
+    </mc:Choice>
+    <mc:Fallback>
+      <p:transition spd="slow" advTm="29487"/>
+    </mc:Fallback>
+  </mc:AlternateContent>
 </p:sld>
 </file>
 
@@ -4906,7 +4926,7 @@
             <a:pPr algn="ctr"/>
             <a:r>
               <a:rPr lang="en-US" dirty="0"/>
-              <a:t>Execute!</a:t>
+              <a:t>4. Execute!</a:t>
             </a:r>
           </a:p>
         </p:txBody>
@@ -4952,6 +4972,14 @@
   <p:clrMapOvr>
     <a:masterClrMapping/>
   </p:clrMapOvr>
+  <mc:AlternateContent xmlns:mc="http://schemas.openxmlformats.org/markup-compatibility/2006">
+    <mc:Choice xmlns:p14="http://schemas.microsoft.com/office/powerpoint/2010/main" Requires="p14">
+      <p:transition spd="slow" p14:dur="2000" advTm="33720"/>
+    </mc:Choice>
+    <mc:Fallback>
+      <p:transition spd="slow" advTm="33720"/>
+    </mc:Fallback>
+  </mc:AlternateContent>
 </p:sld>
 </file>
 
@@ -4996,7 +5024,7 @@
             <a:pPr algn="ctr"/>
             <a:r>
               <a:rPr lang="en-US" dirty="0"/>
-              <a:t>Execute!</a:t>
+              <a:t>4. Execute!</a:t>
             </a:r>
           </a:p>
         </p:txBody>
@@ -5043,6 +5071,14 @@
   <p:clrMapOvr>
     <a:masterClrMapping/>
   </p:clrMapOvr>
+  <mc:AlternateContent xmlns:mc="http://schemas.openxmlformats.org/markup-compatibility/2006">
+    <mc:Choice xmlns:p14="http://schemas.microsoft.com/office/powerpoint/2010/main" Requires="p14">
+      <p:transition spd="slow" p14:dur="2000" advTm="31463"/>
+    </mc:Choice>
+    <mc:Fallback>
+      <p:transition spd="slow" advTm="31463"/>
+    </mc:Fallback>
+  </mc:AlternateContent>
 </p:sld>
 </file>
 
@@ -5759,6 +5795,14 @@
   <p:clrMapOvr>
     <a:masterClrMapping/>
   </p:clrMapOvr>
+  <mc:AlternateContent xmlns:mc="http://schemas.openxmlformats.org/markup-compatibility/2006">
+    <mc:Choice xmlns:p14="http://schemas.microsoft.com/office/powerpoint/2010/main" Requires="p14">
+      <p:transition spd="slow" p14:dur="2000" advTm="31345"/>
+    </mc:Choice>
+    <mc:Fallback>
+      <p:transition spd="slow" advTm="31345"/>
+    </mc:Fallback>
+  </mc:AlternateContent>
 </p:sld>
 </file>
 
@@ -6093,6 +6137,14 @@
   <p:clrMapOvr>
     <a:masterClrMapping/>
   </p:clrMapOvr>
+  <mc:AlternateContent xmlns:mc="http://schemas.openxmlformats.org/markup-compatibility/2006">
+    <mc:Choice xmlns:p14="http://schemas.microsoft.com/office/powerpoint/2010/main" Requires="p14">
+      <p:transition spd="slow" p14:dur="2000" advTm="61198"/>
+    </mc:Choice>
+    <mc:Fallback>
+      <p:transition spd="slow" advTm="61198"/>
+    </mc:Fallback>
+  </mc:AlternateContent>
 </p:sld>
 </file>
 
@@ -6137,7 +6189,7 @@
             <a:pPr algn="ctr"/>
             <a:r>
               <a:rPr lang="en-US" dirty="0"/>
-              <a:t>Describing the business logic</a:t>
+              <a:t>1. Describing the business logic</a:t>
             </a:r>
           </a:p>
         </p:txBody>
@@ -6192,6 +6244,14 @@
   <p:clrMapOvr>
     <a:masterClrMapping/>
   </p:clrMapOvr>
+  <mc:AlternateContent xmlns:mc="http://schemas.openxmlformats.org/markup-compatibility/2006">
+    <mc:Choice xmlns:p14="http://schemas.microsoft.com/office/powerpoint/2010/main" Requires="p14">
+      <p:transition spd="slow" p14:dur="2000" advTm="31126"/>
+    </mc:Choice>
+    <mc:Fallback>
+      <p:transition spd="slow" advTm="31126"/>
+    </mc:Fallback>
+  </mc:AlternateContent>
 </p:sld>
 </file>
 
@@ -6236,7 +6296,7 @@
             <a:pPr algn="ctr"/>
             <a:r>
               <a:rPr lang="en-US" dirty="0"/>
-              <a:t>Describing the business logic</a:t>
+              <a:t>1. Describing the business logic</a:t>
             </a:r>
           </a:p>
         </p:txBody>
@@ -6283,6 +6343,14 @@
   <p:clrMapOvr>
     <a:masterClrMapping/>
   </p:clrMapOvr>
+  <mc:AlternateContent xmlns:mc="http://schemas.openxmlformats.org/markup-compatibility/2006">
+    <mc:Choice xmlns:p14="http://schemas.microsoft.com/office/powerpoint/2010/main" Requires="p14">
+      <p:transition spd="slow" p14:dur="2000" advTm="30661"/>
+    </mc:Choice>
+    <mc:Fallback>
+      <p:transition spd="slow" advTm="30661"/>
+    </mc:Fallback>
+  </mc:AlternateContent>
 </p:sld>
 </file>
 
@@ -6327,7 +6395,7 @@
             <a:pPr algn="ctr"/>
             <a:r>
               <a:rPr lang="en-US" dirty="0"/>
-              <a:t>Describing business logic</a:t>
+              <a:t>1. Describing business logic</a:t>
             </a:r>
           </a:p>
         </p:txBody>
@@ -6374,6 +6442,14 @@
   <p:clrMapOvr>
     <a:masterClrMapping/>
   </p:clrMapOvr>
+  <mc:AlternateContent xmlns:mc="http://schemas.openxmlformats.org/markup-compatibility/2006">
+    <mc:Choice xmlns:p14="http://schemas.microsoft.com/office/powerpoint/2010/main" Requires="p14">
+      <p:transition spd="slow" p14:dur="2000" advTm="30943"/>
+    </mc:Choice>
+    <mc:Fallback>
+      <p:transition spd="slow" advTm="30943"/>
+    </mc:Fallback>
+  </mc:AlternateContent>
 </p:sld>
 </file>
 
@@ -6418,7 +6494,7 @@
             <a:pPr algn="ctr"/>
             <a:r>
               <a:rPr lang="en-US" dirty="0"/>
-              <a:t>Adapter layer</a:t>
+              <a:t>2. Adapter layer</a:t>
             </a:r>
           </a:p>
         </p:txBody>
@@ -6476,6 +6552,14 @@
   <p:clrMapOvr>
     <a:masterClrMapping/>
   </p:clrMapOvr>
+  <mc:AlternateContent xmlns:mc="http://schemas.openxmlformats.org/markup-compatibility/2006">
+    <mc:Choice xmlns:p14="http://schemas.microsoft.com/office/powerpoint/2010/main" Requires="p14">
+      <p:transition spd="slow" p14:dur="2000" advTm="30989"/>
+    </mc:Choice>
+    <mc:Fallback>
+      <p:transition spd="slow" advTm="30989"/>
+    </mc:Fallback>
+  </mc:AlternateContent>
 </p:sld>
 </file>
 
@@ -6520,7 +6604,7 @@
             <a:pPr algn="ctr"/>
             <a:r>
               <a:rPr lang="en-US" dirty="0"/>
-              <a:t>Set up adapter layer </a:t>
+              <a:t>2. Set up adapter layer </a:t>
             </a:r>
           </a:p>
         </p:txBody>
@@ -6567,6 +6651,14 @@
   <p:clrMapOvr>
     <a:masterClrMapping/>
   </p:clrMapOvr>
+  <mc:AlternateContent xmlns:mc="http://schemas.openxmlformats.org/markup-compatibility/2006">
+    <mc:Choice xmlns:p14="http://schemas.microsoft.com/office/powerpoint/2010/main" Requires="p14">
+      <p:transition spd="slow" p14:dur="2000" advTm="26264"/>
+    </mc:Choice>
+    <mc:Fallback>
+      <p:transition spd="slow" advTm="26264"/>
+    </mc:Fallback>
+  </mc:AlternateContent>
 </p:sld>
 </file>
 
@@ -6611,7 +6703,7 @@
             <a:pPr algn="ctr"/>
             <a:r>
               <a:rPr lang="en-US" dirty="0"/>
-              <a:t>Data Binding </a:t>
+              <a:t>3. Data Binding </a:t>
             </a:r>
           </a:p>
         </p:txBody>
@@ -6660,6 +6752,14 @@
   <p:clrMapOvr>
     <a:masterClrMapping/>
   </p:clrMapOvr>
+  <mc:AlternateContent xmlns:mc="http://schemas.openxmlformats.org/markup-compatibility/2006">
+    <mc:Choice xmlns:p14="http://schemas.microsoft.com/office/powerpoint/2010/main" Requires="p14">
+      <p:transition spd="slow" p14:dur="2000" advTm="27078"/>
+    </mc:Choice>
+    <mc:Fallback>
+      <p:transition spd="slow" advTm="27078"/>
+    </mc:Fallback>
+  </mc:AlternateContent>
 </p:sld>
 </file>
 
